--- a/Office Docs/5 Working with dates and times.pptx
+++ b/Office Docs/5 Working with dates and times.pptx
@@ -5,7 +5,7 @@
     <p:sldMasterId id="2147483660" r:id="rId1"/>
   </p:sldMasterIdLst>
   <p:notesMasterIdLst>
-    <p:notesMasterId r:id="rId30"/>
+    <p:notesMasterId r:id="rId31"/>
   </p:notesMasterIdLst>
   <p:sldIdLst>
     <p:sldId id="358" r:id="rId2"/>
@@ -16,26 +16,27 @@
     <p:sldId id="382" r:id="rId7"/>
     <p:sldId id="361" r:id="rId8"/>
     <p:sldId id="383" r:id="rId9"/>
-    <p:sldId id="362" r:id="rId10"/>
-    <p:sldId id="363" r:id="rId11"/>
-    <p:sldId id="364" r:id="rId12"/>
-    <p:sldId id="365" r:id="rId13"/>
-    <p:sldId id="384" r:id="rId14"/>
-    <p:sldId id="366" r:id="rId15"/>
-    <p:sldId id="367" r:id="rId16"/>
-    <p:sldId id="368" r:id="rId17"/>
-    <p:sldId id="370" r:id="rId18"/>
-    <p:sldId id="385" r:id="rId19"/>
-    <p:sldId id="371" r:id="rId20"/>
-    <p:sldId id="372" r:id="rId21"/>
-    <p:sldId id="373" r:id="rId22"/>
-    <p:sldId id="374" r:id="rId23"/>
-    <p:sldId id="375" r:id="rId24"/>
-    <p:sldId id="376" r:id="rId25"/>
-    <p:sldId id="386" r:id="rId26"/>
-    <p:sldId id="379" r:id="rId27"/>
-    <p:sldId id="380" r:id="rId28"/>
-    <p:sldId id="381" r:id="rId29"/>
+    <p:sldId id="387" r:id="rId10"/>
+    <p:sldId id="362" r:id="rId11"/>
+    <p:sldId id="363" r:id="rId12"/>
+    <p:sldId id="364" r:id="rId13"/>
+    <p:sldId id="365" r:id="rId14"/>
+    <p:sldId id="384" r:id="rId15"/>
+    <p:sldId id="366" r:id="rId16"/>
+    <p:sldId id="367" r:id="rId17"/>
+    <p:sldId id="368" r:id="rId18"/>
+    <p:sldId id="370" r:id="rId19"/>
+    <p:sldId id="385" r:id="rId20"/>
+    <p:sldId id="371" r:id="rId21"/>
+    <p:sldId id="372" r:id="rId22"/>
+    <p:sldId id="373" r:id="rId23"/>
+    <p:sldId id="374" r:id="rId24"/>
+    <p:sldId id="375" r:id="rId25"/>
+    <p:sldId id="376" r:id="rId26"/>
+    <p:sldId id="386" r:id="rId27"/>
+    <p:sldId id="379" r:id="rId28"/>
+    <p:sldId id="380" r:id="rId29"/>
+    <p:sldId id="381" r:id="rId30"/>
   </p:sldIdLst>
   <p:sldSz cx="12192000" cy="6858000"/>
   <p:notesSz cx="6858000" cy="9144000"/>
@@ -147,6 +148,7 @@
             <p14:sldId id="382"/>
             <p14:sldId id="361"/>
             <p14:sldId id="383"/>
+            <p14:sldId id="387"/>
             <p14:sldId id="362"/>
             <p14:sldId id="363"/>
             <p14:sldId id="364"/>
@@ -266,7 +268,7 @@
           <a:p>
             <a:fld id="{A9DDBD42-E139-45FA-9C16-1611187CAC3F}" type="datetimeFigureOut">
               <a:rPr lang="en-US" smtClean="0"/>
-              <a:t>9/18/2014</a:t>
+              <a:t>9/22/2014</a:t>
             </a:fld>
             <a:endParaRPr lang="en-US"/>
           </a:p>
@@ -683,7 +685,7 @@
           <a:p>
             <a:fld id="{906AB01E-7BD7-442B-8A6B-D31FAFDAE830}" type="slidenum">
               <a:rPr lang="en-US" smtClean="0"/>
-              <a:t>12</a:t>
+              <a:t>13</a:t>
             </a:fld>
             <a:endParaRPr lang="en-US"/>
           </a:p>
@@ -767,7 +769,7 @@
           <a:p>
             <a:fld id="{906AB01E-7BD7-442B-8A6B-D31FAFDAE830}" type="slidenum">
               <a:rPr lang="en-US" smtClean="0"/>
-              <a:t>14</a:t>
+              <a:t>15</a:t>
             </a:fld>
             <a:endParaRPr lang="en-US"/>
           </a:p>
@@ -851,7 +853,7 @@
           <a:p>
             <a:fld id="{906AB01E-7BD7-442B-8A6B-D31FAFDAE830}" type="slidenum">
               <a:rPr lang="en-US" smtClean="0"/>
-              <a:t>15</a:t>
+              <a:t>16</a:t>
             </a:fld>
             <a:endParaRPr lang="en-US"/>
           </a:p>
@@ -935,7 +937,7 @@
           <a:p>
             <a:fld id="{906AB01E-7BD7-442B-8A6B-D31FAFDAE830}" type="slidenum">
               <a:rPr lang="en-US" smtClean="0"/>
-              <a:t>16</a:t>
+              <a:t>17</a:t>
             </a:fld>
             <a:endParaRPr lang="en-US"/>
           </a:p>
@@ -1019,7 +1021,7 @@
           <a:p>
             <a:fld id="{906AB01E-7BD7-442B-8A6B-D31FAFDAE830}" type="slidenum">
               <a:rPr lang="en-US" smtClean="0"/>
-              <a:t>17</a:t>
+              <a:t>18</a:t>
             </a:fld>
             <a:endParaRPr lang="en-US"/>
           </a:p>
@@ -1103,7 +1105,7 @@
           <a:p>
             <a:fld id="{906AB01E-7BD7-442B-8A6B-D31FAFDAE830}" type="slidenum">
               <a:rPr lang="en-US" smtClean="0"/>
-              <a:t>19</a:t>
+              <a:t>20</a:t>
             </a:fld>
             <a:endParaRPr lang="en-US"/>
           </a:p>
@@ -1187,7 +1189,7 @@
           <a:p>
             <a:fld id="{906AB01E-7BD7-442B-8A6B-D31FAFDAE830}" type="slidenum">
               <a:rPr lang="en-US" smtClean="0"/>
-              <a:t>20</a:t>
+              <a:t>21</a:t>
             </a:fld>
             <a:endParaRPr lang="en-US"/>
           </a:p>
@@ -1271,7 +1273,7 @@
           <a:p>
             <a:fld id="{906AB01E-7BD7-442B-8A6B-D31FAFDAE830}" type="slidenum">
               <a:rPr lang="en-US" smtClean="0"/>
-              <a:t>21</a:t>
+              <a:t>22</a:t>
             </a:fld>
             <a:endParaRPr lang="en-US"/>
           </a:p>
@@ -1355,7 +1357,7 @@
           <a:p>
             <a:fld id="{906AB01E-7BD7-442B-8A6B-D31FAFDAE830}" type="slidenum">
               <a:rPr lang="en-US" smtClean="0"/>
-              <a:t>22</a:t>
+              <a:t>23</a:t>
             </a:fld>
             <a:endParaRPr lang="en-US"/>
           </a:p>
@@ -1439,7 +1441,7 @@
           <a:p>
             <a:fld id="{906AB01E-7BD7-442B-8A6B-D31FAFDAE830}" type="slidenum">
               <a:rPr lang="en-US" smtClean="0"/>
-              <a:t>23</a:t>
+              <a:t>24</a:t>
             </a:fld>
             <a:endParaRPr lang="en-US"/>
           </a:p>
@@ -1607,7 +1609,7 @@
           <a:p>
             <a:fld id="{906AB01E-7BD7-442B-8A6B-D31FAFDAE830}" type="slidenum">
               <a:rPr lang="en-US" smtClean="0"/>
-              <a:t>24</a:t>
+              <a:t>25</a:t>
             </a:fld>
             <a:endParaRPr lang="en-US"/>
           </a:p>
@@ -1691,7 +1693,7 @@
           <a:p>
             <a:fld id="{906AB01E-7BD7-442B-8A6B-D31FAFDAE830}" type="slidenum">
               <a:rPr lang="en-US" smtClean="0"/>
-              <a:t>26</a:t>
+              <a:t>27</a:t>
             </a:fld>
             <a:endParaRPr lang="en-US"/>
           </a:p>
@@ -1775,7 +1777,7 @@
           <a:p>
             <a:fld id="{906AB01E-7BD7-442B-8A6B-D31FAFDAE830}" type="slidenum">
               <a:rPr lang="en-US" smtClean="0"/>
-              <a:t>27</a:t>
+              <a:t>28</a:t>
             </a:fld>
             <a:endParaRPr lang="en-US"/>
           </a:p>
@@ -2195,7 +2197,7 @@
           <a:p>
             <a:fld id="{906AB01E-7BD7-442B-8A6B-D31FAFDAE830}" type="slidenum">
               <a:rPr lang="en-US" smtClean="0"/>
-              <a:t>9</a:t>
+              <a:t>10</a:t>
             </a:fld>
             <a:endParaRPr lang="en-US"/>
           </a:p>
@@ -2279,7 +2281,7 @@
           <a:p>
             <a:fld id="{906AB01E-7BD7-442B-8A6B-D31FAFDAE830}" type="slidenum">
               <a:rPr lang="en-US" smtClean="0"/>
-              <a:t>10</a:t>
+              <a:t>11</a:t>
             </a:fld>
             <a:endParaRPr lang="en-US"/>
           </a:p>
@@ -2363,7 +2365,7 @@
           <a:p>
             <a:fld id="{906AB01E-7BD7-442B-8A6B-D31FAFDAE830}" type="slidenum">
               <a:rPr lang="en-US" smtClean="0"/>
-              <a:t>11</a:t>
+              <a:t>12</a:t>
             </a:fld>
             <a:endParaRPr lang="en-US"/>
           </a:p>
@@ -4999,11 +5001,7 @@
           <a:p>
             <a:r>
               <a:rPr lang="en-CA" dirty="0" smtClean="0"/>
-              <a:t>Working with dates and </a:t>
-            </a:r>
-            <a:r>
-              <a:rPr lang="en-CA" dirty="0" smtClean="0"/>
-              <a:t>times</a:t>
+              <a:t>Working with dates and times</a:t>
             </a:r>
           </a:p>
           <a:p>
@@ -5065,6 +5063,413 @@
 </file>
 
 <file path=ppt/slides/slide10.xml><?xml version="1.0" encoding="utf-8"?>
+<p:sld xmlns:a="http://schemas.openxmlformats.org/drawingml/2006/main" xmlns:r="http://schemas.openxmlformats.org/officeDocument/2006/relationships" xmlns:p="http://schemas.openxmlformats.org/presentationml/2006/main">
+  <p:cSld>
+    <p:spTree>
+      <p:nvGrpSpPr>
+        <p:cNvPr id="1" name=""/>
+        <p:cNvGrpSpPr/>
+        <p:nvPr/>
+      </p:nvGrpSpPr>
+      <p:grpSpPr>
+        <a:xfrm>
+          <a:off x="0" y="0"/>
+          <a:ext cx="0" cy="0"/>
+          <a:chOff x="0" y="0"/>
+          <a:chExt cx="0" cy="0"/>
+        </a:xfrm>
+      </p:grpSpPr>
+      <p:sp>
+        <p:nvSpPr>
+          <p:cNvPr id="4" name="Title 3"/>
+          <p:cNvSpPr>
+            <a:spLocks noGrp="1"/>
+          </p:cNvSpPr>
+          <p:nvPr>
+            <p:ph type="title"/>
+          </p:nvPr>
+        </p:nvSpPr>
+        <p:spPr/>
+        <p:txBody>
+          <a:bodyPr>
+            <a:normAutofit fontScale="90000"/>
+          </a:bodyPr>
+          <a:lstStyle/>
+          <a:p>
+            <a:r>
+              <a:rPr lang="en-CA" dirty="0" smtClean="0"/>
+              <a:t>But what if you want to display the date with a different format?</a:t>
+            </a:r>
+            <a:endParaRPr lang="en-US" dirty="0"/>
+          </a:p>
+        </p:txBody>
+      </p:sp>
+      <p:sp>
+        <p:nvSpPr>
+          <p:cNvPr id="2" name="Content Placeholder 1"/>
+          <p:cNvSpPr>
+            <a:spLocks noGrp="1"/>
+          </p:cNvSpPr>
+          <p:nvPr>
+            <p:ph sz="quarter" idx="10"/>
+          </p:nvPr>
+        </p:nvSpPr>
+        <p:spPr/>
+        <p:txBody>
+          <a:bodyPr/>
+          <a:lstStyle/>
+          <a:p>
+            <a:r>
+              <a:rPr lang="en-CA" dirty="0" smtClean="0"/>
+              <a:t>Welcome to one of the things that drives programmers insane! </a:t>
+            </a:r>
+          </a:p>
+          <a:p>
+            <a:r>
+              <a:rPr lang="en-CA" dirty="0" smtClean="0"/>
+              <a:t>Different countries and different users like different date formats, often the default isn’t what you need</a:t>
+            </a:r>
+          </a:p>
+          <a:p>
+            <a:r>
+              <a:rPr lang="en-CA" dirty="0" smtClean="0"/>
+              <a:t>There is always a way to handle it, but it will take a little time and extra code</a:t>
+            </a:r>
+          </a:p>
+          <a:p>
+            <a:r>
+              <a:rPr lang="en-CA" dirty="0" smtClean="0"/>
+              <a:t>The default format is YYYY-MM-DD</a:t>
+            </a:r>
+          </a:p>
+        </p:txBody>
+      </p:sp>
+      <p:sp>
+        <p:nvSpPr>
+          <p:cNvPr id="3" name="Rectangle 1"/>
+          <p:cNvSpPr>
+            <a:spLocks noChangeArrowheads="1"/>
+          </p:cNvSpPr>
+          <p:nvPr/>
+        </p:nvSpPr>
+        <p:spPr bwMode="auto">
+          <a:xfrm>
+            <a:off x="379413" y="2432982"/>
+            <a:ext cx="184731" cy="523220"/>
+          </a:xfrm>
+          <a:prstGeom prst="rect">
+            <a:avLst/>
+          </a:prstGeom>
+          <a:solidFill>
+            <a:srgbClr val="FFFFFF"/>
+          </a:solidFill>
+          <a:ln>
+            <a:noFill/>
+          </a:ln>
+          <a:effectLst/>
+          <a:extLst>
+            <a:ext uri="{91240B29-F687-4F45-9708-019B960494DF}">
+              <a14:hiddenLine xmlns:a14="http://schemas.microsoft.com/office/drawing/2010/main" w="9525">
+                <a:solidFill>
+                  <a:schemeClr val="tx1"/>
+                </a:solidFill>
+                <a:miter lim="800000"/>
+                <a:headEnd/>
+                <a:tailEnd/>
+              </a14:hiddenLine>
+            </a:ext>
+            <a:ext uri="{AF507438-7753-43E0-B8FC-AC1667EBCBE1}">
+              <a14:hiddenEffects xmlns:a14="http://schemas.microsoft.com/office/drawing/2010/main">
+                <a:effectLst>
+                  <a:outerShdw dist="35921" dir="2700000" algn="ctr" rotWithShape="0">
+                    <a:schemeClr val="bg2"/>
+                  </a:outerShdw>
+                </a:effectLst>
+              </a14:hiddenEffects>
+            </a:ext>
+          </a:extLst>
+        </p:spPr>
+        <p:txBody>
+          <a:bodyPr vert="horz" wrap="none" lIns="91440" tIns="45720" rIns="91440" bIns="45720" numCol="1" anchor="ctr" anchorCtr="0" compatLnSpc="1">
+            <a:prstTxWarp prst="textNoShape">
+              <a:avLst/>
+            </a:prstTxWarp>
+            <a:spAutoFit/>
+          </a:bodyPr>
+          <a:lstStyle/>
+          <a:p>
+            <a:pPr marL="0" marR="0" lvl="0" indent="0" algn="l" defTabSz="914400" rtl="0" eaLnBrk="0" fontAlgn="base" latinLnBrk="0" hangingPunct="0">
+              <a:lnSpc>
+                <a:spcPct val="100000"/>
+              </a:lnSpc>
+              <a:spcBef>
+                <a:spcPct val="0"/>
+              </a:spcBef>
+              <a:spcAft>
+                <a:spcPct val="0"/>
+              </a:spcAft>
+              <a:buClrTx/>
+              <a:buSzTx/>
+              <a:buFontTx/>
+              <a:buNone/>
+              <a:tabLst/>
+            </a:pPr>
+            <a:endParaRPr kumimoji="0" lang="en-US" altLang="en-US" sz="2800" b="0" i="0" u="none" strike="noStrike" cap="none" normalizeH="0" baseline="0" dirty="0" smtClean="0">
+              <a:ln>
+                <a:noFill/>
+              </a:ln>
+              <a:solidFill>
+                <a:schemeClr val="tx1"/>
+              </a:solidFill>
+              <a:effectLst/>
+              <a:latin typeface="Arial" panose="020B0604020202020204" pitchFamily="34" charset="0"/>
+            </a:endParaRPr>
+          </a:p>
+        </p:txBody>
+      </p:sp>
+    </p:spTree>
+    <p:extLst>
+      <p:ext uri="{BB962C8B-B14F-4D97-AF65-F5344CB8AC3E}">
+        <p14:creationId xmlns:p14="http://schemas.microsoft.com/office/powerpoint/2010/main" val="1235458783"/>
+      </p:ext>
+    </p:extLst>
+  </p:cSld>
+  <p:clrMapOvr>
+    <a:masterClrMapping/>
+  </p:clrMapOvr>
+  <p:timing>
+    <p:tnLst>
+      <p:par>
+        <p:cTn id="1" dur="indefinite" restart="never" nodeType="tmRoot">
+          <p:childTnLst>
+            <p:seq concurrent="1" nextAc="seek">
+              <p:cTn id="2" dur="indefinite" nodeType="mainSeq">
+                <p:childTnLst>
+                  <p:par>
+                    <p:cTn id="3" fill="hold">
+                      <p:stCondLst>
+                        <p:cond delay="indefinite"/>
+                      </p:stCondLst>
+                      <p:childTnLst>
+                        <p:par>
+                          <p:cTn id="4" fill="hold">
+                            <p:stCondLst>
+                              <p:cond delay="0"/>
+                            </p:stCondLst>
+                            <p:childTnLst>
+                              <p:par>
+                                <p:cTn id="5" presetID="1" presetClass="entr" presetSubtype="0" fill="hold" grpId="0" nodeType="clickEffect">
+                                  <p:stCondLst>
+                                    <p:cond delay="0"/>
+                                  </p:stCondLst>
+                                  <p:childTnLst>
+                                    <p:set>
+                                      <p:cBhvr>
+                                        <p:cTn id="6" dur="1" fill="hold">
+                                          <p:stCondLst>
+                                            <p:cond delay="0"/>
+                                          </p:stCondLst>
+                                        </p:cTn>
+                                        <p:tgtEl>
+                                          <p:spTgt spid="2">
+                                            <p:txEl>
+                                              <p:pRg st="0" end="0"/>
+                                            </p:txEl>
+                                          </p:spTgt>
+                                        </p:tgtEl>
+                                        <p:attrNameLst>
+                                          <p:attrName>style.visibility</p:attrName>
+                                        </p:attrNameLst>
+                                      </p:cBhvr>
+                                      <p:to>
+                                        <p:strVal val="visible"/>
+                                      </p:to>
+                                    </p:set>
+                                  </p:childTnLst>
+                                </p:cTn>
+                              </p:par>
+                            </p:childTnLst>
+                          </p:cTn>
+                        </p:par>
+                      </p:childTnLst>
+                    </p:cTn>
+                  </p:par>
+                  <p:par>
+                    <p:cTn id="7" fill="hold">
+                      <p:stCondLst>
+                        <p:cond delay="indefinite"/>
+                      </p:stCondLst>
+                      <p:childTnLst>
+                        <p:par>
+                          <p:cTn id="8" fill="hold">
+                            <p:stCondLst>
+                              <p:cond delay="0"/>
+                            </p:stCondLst>
+                            <p:childTnLst>
+                              <p:par>
+                                <p:cTn id="9" presetID="1" presetClass="entr" presetSubtype="0" fill="hold" grpId="0" nodeType="clickEffect">
+                                  <p:stCondLst>
+                                    <p:cond delay="0"/>
+                                  </p:stCondLst>
+                                  <p:childTnLst>
+                                    <p:set>
+                                      <p:cBhvr>
+                                        <p:cTn id="10" dur="1" fill="hold">
+                                          <p:stCondLst>
+                                            <p:cond delay="0"/>
+                                          </p:stCondLst>
+                                        </p:cTn>
+                                        <p:tgtEl>
+                                          <p:spTgt spid="2">
+                                            <p:txEl>
+                                              <p:pRg st="1" end="1"/>
+                                            </p:txEl>
+                                          </p:spTgt>
+                                        </p:tgtEl>
+                                        <p:attrNameLst>
+                                          <p:attrName>style.visibility</p:attrName>
+                                        </p:attrNameLst>
+                                      </p:cBhvr>
+                                      <p:to>
+                                        <p:strVal val="visible"/>
+                                      </p:to>
+                                    </p:set>
+                                  </p:childTnLst>
+                                </p:cTn>
+                              </p:par>
+                            </p:childTnLst>
+                          </p:cTn>
+                        </p:par>
+                      </p:childTnLst>
+                    </p:cTn>
+                  </p:par>
+                  <p:par>
+                    <p:cTn id="11" fill="hold">
+                      <p:stCondLst>
+                        <p:cond delay="indefinite"/>
+                      </p:stCondLst>
+                      <p:childTnLst>
+                        <p:par>
+                          <p:cTn id="12" fill="hold">
+                            <p:stCondLst>
+                              <p:cond delay="0"/>
+                            </p:stCondLst>
+                            <p:childTnLst>
+                              <p:par>
+                                <p:cTn id="13" presetID="1" presetClass="entr" presetSubtype="0" fill="hold" grpId="0" nodeType="clickEffect">
+                                  <p:stCondLst>
+                                    <p:cond delay="0"/>
+                                  </p:stCondLst>
+                                  <p:childTnLst>
+                                    <p:set>
+                                      <p:cBhvr>
+                                        <p:cTn id="14" dur="1" fill="hold">
+                                          <p:stCondLst>
+                                            <p:cond delay="0"/>
+                                          </p:stCondLst>
+                                        </p:cTn>
+                                        <p:tgtEl>
+                                          <p:spTgt spid="2">
+                                            <p:txEl>
+                                              <p:pRg st="2" end="2"/>
+                                            </p:txEl>
+                                          </p:spTgt>
+                                        </p:tgtEl>
+                                        <p:attrNameLst>
+                                          <p:attrName>style.visibility</p:attrName>
+                                        </p:attrNameLst>
+                                      </p:cBhvr>
+                                      <p:to>
+                                        <p:strVal val="visible"/>
+                                      </p:to>
+                                    </p:set>
+                                  </p:childTnLst>
+                                </p:cTn>
+                              </p:par>
+                            </p:childTnLst>
+                          </p:cTn>
+                        </p:par>
+                      </p:childTnLst>
+                    </p:cTn>
+                  </p:par>
+                  <p:par>
+                    <p:cTn id="15" fill="hold">
+                      <p:stCondLst>
+                        <p:cond delay="indefinite"/>
+                      </p:stCondLst>
+                      <p:childTnLst>
+                        <p:par>
+                          <p:cTn id="16" fill="hold">
+                            <p:stCondLst>
+                              <p:cond delay="0"/>
+                            </p:stCondLst>
+                            <p:childTnLst>
+                              <p:par>
+                                <p:cTn id="17" presetID="1" presetClass="entr" presetSubtype="0" fill="hold" grpId="0" nodeType="clickEffect">
+                                  <p:stCondLst>
+                                    <p:cond delay="0"/>
+                                  </p:stCondLst>
+                                  <p:childTnLst>
+                                    <p:set>
+                                      <p:cBhvr>
+                                        <p:cTn id="18" dur="1" fill="hold">
+                                          <p:stCondLst>
+                                            <p:cond delay="0"/>
+                                          </p:stCondLst>
+                                        </p:cTn>
+                                        <p:tgtEl>
+                                          <p:spTgt spid="2">
+                                            <p:txEl>
+                                              <p:pRg st="3" end="3"/>
+                                            </p:txEl>
+                                          </p:spTgt>
+                                        </p:tgtEl>
+                                        <p:attrNameLst>
+                                          <p:attrName>style.visibility</p:attrName>
+                                        </p:attrNameLst>
+                                      </p:cBhvr>
+                                      <p:to>
+                                        <p:strVal val="visible"/>
+                                      </p:to>
+                                    </p:set>
+                                  </p:childTnLst>
+                                </p:cTn>
+                              </p:par>
+                            </p:childTnLst>
+                          </p:cTn>
+                        </p:par>
+                      </p:childTnLst>
+                    </p:cTn>
+                  </p:par>
+                </p:childTnLst>
+              </p:cTn>
+              <p:prevCondLst>
+                <p:cond evt="onPrev" delay="0">
+                  <p:tgtEl>
+                    <p:sldTgt/>
+                  </p:tgtEl>
+                </p:cond>
+              </p:prevCondLst>
+              <p:nextCondLst>
+                <p:cond evt="onNext" delay="0">
+                  <p:tgtEl>
+                    <p:sldTgt/>
+                  </p:tgtEl>
+                </p:cond>
+              </p:nextCondLst>
+            </p:seq>
+          </p:childTnLst>
+        </p:cTn>
+      </p:par>
+    </p:tnLst>
+    <p:bldLst>
+      <p:bldP spid="2" grpId="0" build="p"/>
+    </p:bldLst>
+  </p:timing>
+</p:sld>
+</file>
+
+<file path=ppt/slides/slide11.xml><?xml version="1.0" encoding="utf-8"?>
 <p:sld xmlns:a="http://schemas.openxmlformats.org/drawingml/2006/main" xmlns:r="http://schemas.openxmlformats.org/officeDocument/2006/relationships" xmlns:p="http://schemas.openxmlformats.org/presentationml/2006/main">
   <p:cSld>
     <p:spTree>
@@ -5629,7 +6034,7 @@
 </p:sld>
 </file>
 
-<file path=ppt/slides/slide11.xml><?xml version="1.0" encoding="utf-8"?>
+<file path=ppt/slides/slide12.xml><?xml version="1.0" encoding="utf-8"?>
 <p:sld xmlns:a="http://schemas.openxmlformats.org/drawingml/2006/main" xmlns:r="http://schemas.openxmlformats.org/officeDocument/2006/relationships" xmlns:p="http://schemas.openxmlformats.org/presentationml/2006/main">
   <p:cSld>
     <p:spTree>
@@ -5724,7 +6129,7 @@
 </p:sld>
 </file>
 
-<file path=ppt/slides/slide12.xml><?xml version="1.0" encoding="utf-8"?>
+<file path=ppt/slides/slide13.xml><?xml version="1.0" encoding="utf-8"?>
 <p:sld xmlns:a="http://schemas.openxmlformats.org/drawingml/2006/main" xmlns:r="http://schemas.openxmlformats.org/officeDocument/2006/relationships" xmlns:p="http://schemas.openxmlformats.org/presentationml/2006/main">
   <p:cSld>
     <p:spTree>
@@ -5925,7 +6330,7 @@
 </p:sld>
 </file>
 
-<file path=ppt/slides/slide13.xml><?xml version="1.0" encoding="utf-8"?>
+<file path=ppt/slides/slide14.xml><?xml version="1.0" encoding="utf-8"?>
 <p:sld xmlns:a="http://schemas.openxmlformats.org/drawingml/2006/main" xmlns:r="http://schemas.openxmlformats.org/officeDocument/2006/relationships" xmlns:p="http://schemas.openxmlformats.org/presentationml/2006/main">
   <p:cSld>
     <p:spTree>
@@ -5978,7 +6383,7 @@
 </p:sld>
 </file>
 
-<file path=ppt/slides/slide14.xml><?xml version="1.0" encoding="utf-8"?>
+<file path=ppt/slides/slide15.xml><?xml version="1.0" encoding="utf-8"?>
 <p:sld xmlns:a="http://schemas.openxmlformats.org/drawingml/2006/main" xmlns:r="http://schemas.openxmlformats.org/officeDocument/2006/relationships" xmlns:p="http://schemas.openxmlformats.org/presentationml/2006/main">
   <p:cSld>
     <p:spTree>
@@ -6038,15 +6443,15 @@
             </a:pPr>
             <a:r>
               <a:rPr lang="en-CA" dirty="0" smtClean="0"/>
-              <a:t>“Please attend our event Sunday, July 20</a:t>
-            </a:r>
-            <a:r>
-              <a:rPr lang="en-CA" baseline="30000" dirty="0" smtClean="0"/>
-              <a:t>th</a:t>
+              <a:t>“Please attend our event Sunday, July </a:t>
             </a:r>
             <a:r>
               <a:rPr lang="en-CA" dirty="0" smtClean="0"/>
-              <a:t> in the year 1997”</a:t>
+              <a:t>20 </a:t>
+            </a:r>
+            <a:r>
+              <a:rPr lang="en-CA" dirty="0" smtClean="0"/>
+              <a:t>in the year 1997”</a:t>
             </a:r>
             <a:endParaRPr lang="en-US" dirty="0"/>
           </a:p>
@@ -6644,7 +7049,7 @@
 </p:sld>
 </file>
 
-<file path=ppt/slides/slide15.xml><?xml version="1.0" encoding="utf-8"?>
+<file path=ppt/slides/slide16.xml><?xml version="1.0" encoding="utf-8"?>
 <p:sld xmlns:a="http://schemas.openxmlformats.org/drawingml/2006/main" xmlns:r="http://schemas.openxmlformats.org/officeDocument/2006/relationships" xmlns:p="http://schemas.openxmlformats.org/presentationml/2006/main">
   <p:cSld>
     <p:spTree>
@@ -7040,7 +7445,7 @@
 </p:sld>
 </file>
 
-<file path=ppt/slides/slide16.xml><?xml version="1.0" encoding="utf-8"?>
+<file path=ppt/slides/slide17.xml><?xml version="1.0" encoding="utf-8"?>
 <p:sld xmlns:a="http://schemas.openxmlformats.org/drawingml/2006/main" xmlns:r="http://schemas.openxmlformats.org/officeDocument/2006/relationships" xmlns:p="http://schemas.openxmlformats.org/presentationml/2006/main">
   <p:cSld>
     <p:spTree>
@@ -7672,7 +8077,7 @@
 </p:sld>
 </file>
 
-<file path=ppt/slides/slide17.xml><?xml version="1.0" encoding="utf-8"?>
+<file path=ppt/slides/slide18.xml><?xml version="1.0" encoding="utf-8"?>
 <p:sld xmlns:a="http://schemas.openxmlformats.org/drawingml/2006/main" xmlns:r="http://schemas.openxmlformats.org/officeDocument/2006/relationships" xmlns:p="http://schemas.openxmlformats.org/presentationml/2006/main">
   <p:cSld>
     <p:spTree>
@@ -8531,7 +8936,7 @@
 </p:sld>
 </file>
 
-<file path=ppt/slides/slide18.xml><?xml version="1.0" encoding="utf-8"?>
+<file path=ppt/slides/slide19.xml><?xml version="1.0" encoding="utf-8"?>
 <p:sld xmlns:a="http://schemas.openxmlformats.org/drawingml/2006/main" xmlns:r="http://schemas.openxmlformats.org/officeDocument/2006/relationships" xmlns:p="http://schemas.openxmlformats.org/presentationml/2006/main">
   <p:cSld>
     <p:spTree>
@@ -8581,495 +8986,6 @@
   <p:clrMapOvr>
     <a:masterClrMapping/>
   </p:clrMapOvr>
-</p:sld>
-</file>
-
-<file path=ppt/slides/slide19.xml><?xml version="1.0" encoding="utf-8"?>
-<p:sld xmlns:a="http://schemas.openxmlformats.org/drawingml/2006/main" xmlns:r="http://schemas.openxmlformats.org/officeDocument/2006/relationships" xmlns:p="http://schemas.openxmlformats.org/presentationml/2006/main">
-  <p:cSld>
-    <p:spTree>
-      <p:nvGrpSpPr>
-        <p:cNvPr id="1" name=""/>
-        <p:cNvGrpSpPr/>
-        <p:nvPr/>
-      </p:nvGrpSpPr>
-      <p:grpSpPr>
-        <a:xfrm>
-          <a:off x="0" y="0"/>
-          <a:ext cx="0" cy="0"/>
-          <a:chOff x="0" y="0"/>
-          <a:chExt cx="0" cy="0"/>
-        </a:xfrm>
-      </p:grpSpPr>
-      <p:sp>
-        <p:nvSpPr>
-          <p:cNvPr id="2" name="Title 1"/>
-          <p:cNvSpPr>
-            <a:spLocks noGrp="1"/>
-          </p:cNvSpPr>
-          <p:nvPr>
-            <p:ph type="title"/>
-          </p:nvPr>
-        </p:nvSpPr>
-        <p:spPr/>
-        <p:txBody>
-          <a:bodyPr>
-            <a:normAutofit fontScale="90000"/>
-          </a:bodyPr>
-          <a:lstStyle/>
-          <a:p>
-            <a:r>
-              <a:rPr lang="en-CA" dirty="0" smtClean="0"/>
-              <a:t>But what if the user doesn’t enter the date in the format I specify in </a:t>
-            </a:r>
-            <a:r>
-              <a:rPr lang="en-CA" dirty="0" err="1" smtClean="0"/>
-              <a:t>strptime</a:t>
-            </a:r>
-            <a:r>
-              <a:rPr lang="en-CA" dirty="0" smtClean="0"/>
-              <a:t>?</a:t>
-            </a:r>
-            <a:endParaRPr lang="en-US" dirty="0"/>
-          </a:p>
-        </p:txBody>
-      </p:sp>
-      <p:sp>
-        <p:nvSpPr>
-          <p:cNvPr id="4" name="Content Placeholder 3"/>
-          <p:cNvSpPr>
-            <a:spLocks noGrp="1"/>
-          </p:cNvSpPr>
-          <p:nvPr>
-            <p:ph sz="quarter" idx="10"/>
-          </p:nvPr>
-        </p:nvSpPr>
-        <p:spPr>
-          <a:xfrm>
-            <a:off x="379514" y="3042855"/>
-            <a:ext cx="11525250" cy="5290388"/>
-          </a:xfrm>
-        </p:spPr>
-        <p:txBody>
-          <a:bodyPr/>
-          <a:lstStyle/>
-          <a:p>
-            <a:r>
-              <a:rPr lang="en-CA" dirty="0" smtClean="0"/>
-              <a:t>Your code will crash so…</a:t>
-            </a:r>
-          </a:p>
-          <a:p>
-            <a:r>
-              <a:rPr lang="en-CA" dirty="0" smtClean="0"/>
-              <a:t>Tell the user the date format you want</a:t>
-            </a:r>
-          </a:p>
-          <a:p>
-            <a:pPr marL="0" lvl="0" indent="0">
-              <a:buNone/>
-            </a:pPr>
-            <a:r>
-              <a:rPr lang="en-US" altLang="en-US" sz="2800" dirty="0">
-                <a:solidFill>
-                  <a:srgbClr val="000000"/>
-                </a:solidFill>
-                <a:latin typeface="Consolas" panose="020B0609020204030204" pitchFamily="49" charset="0"/>
-                <a:cs typeface="Consolas" panose="020B0609020204030204" pitchFamily="49" charset="0"/>
-              </a:rPr>
-              <a:t>birthday = input (</a:t>
-            </a:r>
-            <a:r>
-              <a:rPr lang="en-US" altLang="en-US" sz="2800" dirty="0">
-                <a:solidFill>
-                  <a:srgbClr val="A31515"/>
-                </a:solidFill>
-                <a:latin typeface="Consolas" panose="020B0609020204030204" pitchFamily="49" charset="0"/>
-                <a:cs typeface="Consolas" panose="020B0609020204030204" pitchFamily="49" charset="0"/>
-              </a:rPr>
-              <a:t>"What is your birthday? (mm/</a:t>
-            </a:r>
-            <a:r>
-              <a:rPr lang="en-US" altLang="en-US" sz="2800" dirty="0" err="1">
-                <a:solidFill>
-                  <a:srgbClr val="A31515"/>
-                </a:solidFill>
-                <a:latin typeface="Consolas" panose="020B0609020204030204" pitchFamily="49" charset="0"/>
-                <a:cs typeface="Consolas" panose="020B0609020204030204" pitchFamily="49" charset="0"/>
-              </a:rPr>
-              <a:t>dd</a:t>
-            </a:r>
-            <a:r>
-              <a:rPr lang="en-US" altLang="en-US" sz="2800" dirty="0">
-                <a:solidFill>
-                  <a:srgbClr val="A31515"/>
-                </a:solidFill>
-                <a:latin typeface="Consolas" panose="020B0609020204030204" pitchFamily="49" charset="0"/>
-                <a:cs typeface="Consolas" panose="020B0609020204030204" pitchFamily="49" charset="0"/>
-              </a:rPr>
-              <a:t>/</a:t>
-            </a:r>
-            <a:r>
-              <a:rPr lang="en-US" altLang="en-US" sz="2800" dirty="0" err="1">
-                <a:solidFill>
-                  <a:srgbClr val="A31515"/>
-                </a:solidFill>
-                <a:latin typeface="Consolas" panose="020B0609020204030204" pitchFamily="49" charset="0"/>
-                <a:cs typeface="Consolas" panose="020B0609020204030204" pitchFamily="49" charset="0"/>
-              </a:rPr>
-              <a:t>yyyy</a:t>
-            </a:r>
-            <a:r>
-              <a:rPr lang="en-US" altLang="en-US" sz="2800" dirty="0" smtClean="0">
-                <a:solidFill>
-                  <a:srgbClr val="A31515"/>
-                </a:solidFill>
-                <a:latin typeface="Consolas" panose="020B0609020204030204" pitchFamily="49" charset="0"/>
-                <a:cs typeface="Consolas" panose="020B0609020204030204" pitchFamily="49" charset="0"/>
-              </a:rPr>
-              <a:t>) "</a:t>
-            </a:r>
-            <a:r>
-              <a:rPr lang="en-US" altLang="en-US" sz="2800" dirty="0" smtClean="0">
-                <a:solidFill>
-                  <a:srgbClr val="000000"/>
-                </a:solidFill>
-                <a:latin typeface="Consolas" panose="020B0609020204030204" pitchFamily="49" charset="0"/>
-                <a:cs typeface="Consolas" panose="020B0609020204030204" pitchFamily="49" charset="0"/>
-              </a:rPr>
-              <a:t>) </a:t>
-            </a:r>
-            <a:endParaRPr lang="en-CA" sz="2800" dirty="0" smtClean="0"/>
-          </a:p>
-          <a:p>
-            <a:r>
-              <a:rPr lang="en-CA" dirty="0" smtClean="0"/>
-              <a:t>Add error handling, which we will cover in a later module</a:t>
-            </a:r>
-            <a:endParaRPr lang="en-US" dirty="0"/>
-          </a:p>
-        </p:txBody>
-      </p:sp>
-      <p:sp>
-        <p:nvSpPr>
-          <p:cNvPr id="5" name="Rectangle 4"/>
-          <p:cNvSpPr/>
-          <p:nvPr/>
-        </p:nvSpPr>
-        <p:spPr>
-          <a:xfrm>
-            <a:off x="379513" y="1772425"/>
-            <a:ext cx="11812487" cy="523220"/>
-          </a:xfrm>
-          <a:prstGeom prst="rect">
-            <a:avLst/>
-          </a:prstGeom>
-        </p:spPr>
-        <p:txBody>
-          <a:bodyPr wrap="square">
-            <a:spAutoFit/>
-          </a:bodyPr>
-          <a:lstStyle/>
-          <a:p>
-            <a:pPr lvl="0" eaLnBrk="0" fontAlgn="base" hangingPunct="0">
-              <a:spcBef>
-                <a:spcPct val="0"/>
-              </a:spcBef>
-              <a:spcAft>
-                <a:spcPct val="0"/>
-              </a:spcAft>
-            </a:pPr>
-            <a:r>
-              <a:rPr lang="en-US" altLang="en-US" sz="2800" dirty="0">
-                <a:solidFill>
-                  <a:srgbClr val="000000"/>
-                </a:solidFill>
-                <a:latin typeface="Consolas" panose="020B0609020204030204" pitchFamily="49" charset="0"/>
-                <a:cs typeface="Consolas" panose="020B0609020204030204" pitchFamily="49" charset="0"/>
-              </a:rPr>
-              <a:t>birthdate = </a:t>
-            </a:r>
-            <a:r>
-              <a:rPr lang="en-US" altLang="en-US" sz="2800" dirty="0" err="1">
-                <a:solidFill>
-                  <a:srgbClr val="000000"/>
-                </a:solidFill>
-                <a:latin typeface="Consolas" panose="020B0609020204030204" pitchFamily="49" charset="0"/>
-                <a:cs typeface="Consolas" panose="020B0609020204030204" pitchFamily="49" charset="0"/>
-              </a:rPr>
-              <a:t>datetime.datetime.strptime</a:t>
-            </a:r>
-            <a:r>
-              <a:rPr lang="en-US" altLang="en-US" sz="2800" dirty="0">
-                <a:solidFill>
-                  <a:srgbClr val="000000"/>
-                </a:solidFill>
-                <a:latin typeface="Consolas" panose="020B0609020204030204" pitchFamily="49" charset="0"/>
-                <a:cs typeface="Consolas" panose="020B0609020204030204" pitchFamily="49" charset="0"/>
-              </a:rPr>
-              <a:t>(</a:t>
-            </a:r>
-            <a:r>
-              <a:rPr lang="en-US" altLang="en-US" sz="2800" dirty="0" err="1">
-                <a:solidFill>
-                  <a:srgbClr val="000000"/>
-                </a:solidFill>
-                <a:latin typeface="Consolas" panose="020B0609020204030204" pitchFamily="49" charset="0"/>
-                <a:cs typeface="Consolas" panose="020B0609020204030204" pitchFamily="49" charset="0"/>
-              </a:rPr>
-              <a:t>birthday,</a:t>
-            </a:r>
-            <a:r>
-              <a:rPr lang="en-US" altLang="en-US" sz="2800" dirty="0" err="1">
-                <a:solidFill>
-                  <a:srgbClr val="A31515"/>
-                </a:solidFill>
-                <a:latin typeface="Consolas" panose="020B0609020204030204" pitchFamily="49" charset="0"/>
-                <a:cs typeface="Consolas" panose="020B0609020204030204" pitchFamily="49" charset="0"/>
-              </a:rPr>
-              <a:t>"%m</a:t>
-            </a:r>
-            <a:r>
-              <a:rPr lang="en-US" altLang="en-US" sz="2800" dirty="0">
-                <a:solidFill>
-                  <a:srgbClr val="A31515"/>
-                </a:solidFill>
-                <a:latin typeface="Consolas" panose="020B0609020204030204" pitchFamily="49" charset="0"/>
-                <a:cs typeface="Consolas" panose="020B0609020204030204" pitchFamily="49" charset="0"/>
-              </a:rPr>
-              <a:t>/%d/%Y"</a:t>
-            </a:r>
-            <a:r>
-              <a:rPr lang="en-US" altLang="en-US" sz="2800" dirty="0">
-                <a:solidFill>
-                  <a:srgbClr val="000000"/>
-                </a:solidFill>
-                <a:latin typeface="Consolas" panose="020B0609020204030204" pitchFamily="49" charset="0"/>
-                <a:cs typeface="Consolas" panose="020B0609020204030204" pitchFamily="49" charset="0"/>
-              </a:rPr>
-              <a:t>) </a:t>
-            </a:r>
-          </a:p>
-        </p:txBody>
-      </p:sp>
-    </p:spTree>
-    <p:extLst>
-      <p:ext uri="{BB962C8B-B14F-4D97-AF65-F5344CB8AC3E}">
-        <p14:creationId xmlns:p14="http://schemas.microsoft.com/office/powerpoint/2010/main" val="54064368"/>
-      </p:ext>
-    </p:extLst>
-  </p:cSld>
-  <p:clrMapOvr>
-    <a:masterClrMapping/>
-  </p:clrMapOvr>
-  <p:timing>
-    <p:tnLst>
-      <p:par>
-        <p:cTn id="1" dur="indefinite" restart="never" nodeType="tmRoot">
-          <p:childTnLst>
-            <p:seq concurrent="1" nextAc="seek">
-              <p:cTn id="2" dur="indefinite" nodeType="mainSeq">
-                <p:childTnLst>
-                  <p:par>
-                    <p:cTn id="3" fill="hold">
-                      <p:stCondLst>
-                        <p:cond delay="indefinite"/>
-                      </p:stCondLst>
-                      <p:childTnLst>
-                        <p:par>
-                          <p:cTn id="4" fill="hold">
-                            <p:stCondLst>
-                              <p:cond delay="0"/>
-                            </p:stCondLst>
-                            <p:childTnLst>
-                              <p:par>
-                                <p:cTn id="5" presetID="1" presetClass="entr" presetSubtype="0" fill="hold" nodeType="clickEffect">
-                                  <p:stCondLst>
-                                    <p:cond delay="0"/>
-                                  </p:stCondLst>
-                                  <p:childTnLst>
-                                    <p:set>
-                                      <p:cBhvr>
-                                        <p:cTn id="6" dur="1" fill="hold">
-                                          <p:stCondLst>
-                                            <p:cond delay="0"/>
-                                          </p:stCondLst>
-                                        </p:cTn>
-                                        <p:tgtEl>
-                                          <p:spTgt spid="4">
-                                            <p:txEl>
-                                              <p:pRg st="0" end="0"/>
-                                            </p:txEl>
-                                          </p:spTgt>
-                                        </p:tgtEl>
-                                        <p:attrNameLst>
-                                          <p:attrName>style.visibility</p:attrName>
-                                        </p:attrNameLst>
-                                      </p:cBhvr>
-                                      <p:to>
-                                        <p:strVal val="visible"/>
-                                      </p:to>
-                                    </p:set>
-                                  </p:childTnLst>
-                                </p:cTn>
-                              </p:par>
-                            </p:childTnLst>
-                          </p:cTn>
-                        </p:par>
-                      </p:childTnLst>
-                    </p:cTn>
-                  </p:par>
-                  <p:par>
-                    <p:cTn id="7" fill="hold">
-                      <p:stCondLst>
-                        <p:cond delay="indefinite"/>
-                      </p:stCondLst>
-                      <p:childTnLst>
-                        <p:par>
-                          <p:cTn id="8" fill="hold">
-                            <p:stCondLst>
-                              <p:cond delay="0"/>
-                            </p:stCondLst>
-                            <p:childTnLst>
-                              <p:par>
-                                <p:cTn id="9" presetID="1" presetClass="entr" presetSubtype="0" fill="hold" nodeType="clickEffect">
-                                  <p:stCondLst>
-                                    <p:cond delay="0"/>
-                                  </p:stCondLst>
-                                  <p:childTnLst>
-                                    <p:set>
-                                      <p:cBhvr>
-                                        <p:cTn id="10" dur="1" fill="hold">
-                                          <p:stCondLst>
-                                            <p:cond delay="0"/>
-                                          </p:stCondLst>
-                                        </p:cTn>
-                                        <p:tgtEl>
-                                          <p:spTgt spid="4">
-                                            <p:txEl>
-                                              <p:pRg st="1" end="1"/>
-                                            </p:txEl>
-                                          </p:spTgt>
-                                        </p:tgtEl>
-                                        <p:attrNameLst>
-                                          <p:attrName>style.visibility</p:attrName>
-                                        </p:attrNameLst>
-                                      </p:cBhvr>
-                                      <p:to>
-                                        <p:strVal val="visible"/>
-                                      </p:to>
-                                    </p:set>
-                                  </p:childTnLst>
-                                </p:cTn>
-                              </p:par>
-                              <p:par>
-                                <p:cTn id="11" presetID="1" presetClass="entr" presetSubtype="0" fill="hold" nodeType="withEffect">
-                                  <p:stCondLst>
-                                    <p:cond delay="0"/>
-                                  </p:stCondLst>
-                                  <p:childTnLst>
-                                    <p:set>
-                                      <p:cBhvr>
-                                        <p:cTn id="12" dur="1" fill="hold">
-                                          <p:stCondLst>
-                                            <p:cond delay="0"/>
-                                          </p:stCondLst>
-                                        </p:cTn>
-                                        <p:tgtEl>
-                                          <p:spTgt spid="4">
-                                            <p:txEl>
-                                              <p:pRg st="2" end="2"/>
-                                            </p:txEl>
-                                          </p:spTgt>
-                                        </p:tgtEl>
-                                        <p:attrNameLst>
-                                          <p:attrName>style.visibility</p:attrName>
-                                        </p:attrNameLst>
-                                      </p:cBhvr>
-                                      <p:to>
-                                        <p:strVal val="visible"/>
-                                      </p:to>
-                                    </p:set>
-                                  </p:childTnLst>
-                                </p:cTn>
-                              </p:par>
-                            </p:childTnLst>
-                          </p:cTn>
-                        </p:par>
-                      </p:childTnLst>
-                    </p:cTn>
-                  </p:par>
-                  <p:par>
-                    <p:cTn id="13" fill="hold">
-                      <p:stCondLst>
-                        <p:cond delay="indefinite"/>
-                      </p:stCondLst>
-                      <p:childTnLst>
-                        <p:par>
-                          <p:cTn id="14" fill="hold">
-                            <p:stCondLst>
-                              <p:cond delay="0"/>
-                            </p:stCondLst>
-                            <p:childTnLst>
-                              <p:par>
-                                <p:cTn id="15" presetID="1" presetClass="entr" presetSubtype="0" fill="hold" nodeType="clickEffect">
-                                  <p:stCondLst>
-                                    <p:cond delay="0"/>
-                                  </p:stCondLst>
-                                  <p:childTnLst>
-                                    <p:set>
-                                      <p:cBhvr>
-                                        <p:cTn id="16" dur="1" fill="hold">
-                                          <p:stCondLst>
-                                            <p:cond delay="0"/>
-                                          </p:stCondLst>
-                                        </p:cTn>
-                                        <p:tgtEl>
-                                          <p:spTgt spid="4">
-                                            <p:txEl>
-                                              <p:pRg st="3" end="3"/>
-                                            </p:txEl>
-                                          </p:spTgt>
-                                        </p:tgtEl>
-                                        <p:attrNameLst>
-                                          <p:attrName>style.visibility</p:attrName>
-                                        </p:attrNameLst>
-                                      </p:cBhvr>
-                                      <p:to>
-                                        <p:strVal val="visible"/>
-                                      </p:to>
-                                    </p:set>
-                                  </p:childTnLst>
-                                </p:cTn>
-                              </p:par>
-                            </p:childTnLst>
-                          </p:cTn>
-                        </p:par>
-                      </p:childTnLst>
-                    </p:cTn>
-                  </p:par>
-                </p:childTnLst>
-              </p:cTn>
-              <p:prevCondLst>
-                <p:cond evt="onPrev" delay="0">
-                  <p:tgtEl>
-                    <p:sldTgt/>
-                  </p:tgtEl>
-                </p:cond>
-              </p:prevCondLst>
-              <p:nextCondLst>
-                <p:cond evt="onNext" delay="0">
-                  <p:tgtEl>
-                    <p:sldTgt/>
-                  </p:tgtEl>
-                </p:cond>
-              </p:nextCondLst>
-            </p:seq>
-          </p:childTnLst>
-        </p:cTn>
-      </p:par>
-    </p:tnLst>
-  </p:timing>
 </p:sld>
 </file>
 
@@ -9378,6 +9294,495 @@
           <a:p>
             <a:r>
               <a:rPr lang="en-CA" dirty="0" smtClean="0"/>
+              <a:t>But what if the user doesn’t enter the date in the format I specify in </a:t>
+            </a:r>
+            <a:r>
+              <a:rPr lang="en-CA" dirty="0" err="1" smtClean="0"/>
+              <a:t>strptime</a:t>
+            </a:r>
+            <a:r>
+              <a:rPr lang="en-CA" dirty="0" smtClean="0"/>
+              <a:t>?</a:t>
+            </a:r>
+            <a:endParaRPr lang="en-US" dirty="0"/>
+          </a:p>
+        </p:txBody>
+      </p:sp>
+      <p:sp>
+        <p:nvSpPr>
+          <p:cNvPr id="4" name="Content Placeholder 3"/>
+          <p:cNvSpPr>
+            <a:spLocks noGrp="1"/>
+          </p:cNvSpPr>
+          <p:nvPr>
+            <p:ph sz="quarter" idx="10"/>
+          </p:nvPr>
+        </p:nvSpPr>
+        <p:spPr>
+          <a:xfrm>
+            <a:off x="379514" y="3042855"/>
+            <a:ext cx="11525250" cy="5290388"/>
+          </a:xfrm>
+        </p:spPr>
+        <p:txBody>
+          <a:bodyPr/>
+          <a:lstStyle/>
+          <a:p>
+            <a:r>
+              <a:rPr lang="en-CA" dirty="0" smtClean="0"/>
+              <a:t>Your code will crash so…</a:t>
+            </a:r>
+          </a:p>
+          <a:p>
+            <a:r>
+              <a:rPr lang="en-CA" dirty="0" smtClean="0"/>
+              <a:t>Tell the user the date format you want</a:t>
+            </a:r>
+          </a:p>
+          <a:p>
+            <a:pPr marL="0" lvl="0" indent="0">
+              <a:buNone/>
+            </a:pPr>
+            <a:r>
+              <a:rPr lang="en-US" altLang="en-US" sz="2800" dirty="0">
+                <a:solidFill>
+                  <a:srgbClr val="000000"/>
+                </a:solidFill>
+                <a:latin typeface="Consolas" panose="020B0609020204030204" pitchFamily="49" charset="0"/>
+                <a:cs typeface="Consolas" panose="020B0609020204030204" pitchFamily="49" charset="0"/>
+              </a:rPr>
+              <a:t>birthday = input (</a:t>
+            </a:r>
+            <a:r>
+              <a:rPr lang="en-US" altLang="en-US" sz="2800" dirty="0">
+                <a:solidFill>
+                  <a:srgbClr val="A31515"/>
+                </a:solidFill>
+                <a:latin typeface="Consolas" panose="020B0609020204030204" pitchFamily="49" charset="0"/>
+                <a:cs typeface="Consolas" panose="020B0609020204030204" pitchFamily="49" charset="0"/>
+              </a:rPr>
+              <a:t>"What is your birthday? (mm/</a:t>
+            </a:r>
+            <a:r>
+              <a:rPr lang="en-US" altLang="en-US" sz="2800" dirty="0" err="1">
+                <a:solidFill>
+                  <a:srgbClr val="A31515"/>
+                </a:solidFill>
+                <a:latin typeface="Consolas" panose="020B0609020204030204" pitchFamily="49" charset="0"/>
+                <a:cs typeface="Consolas" panose="020B0609020204030204" pitchFamily="49" charset="0"/>
+              </a:rPr>
+              <a:t>dd</a:t>
+            </a:r>
+            <a:r>
+              <a:rPr lang="en-US" altLang="en-US" sz="2800" dirty="0">
+                <a:solidFill>
+                  <a:srgbClr val="A31515"/>
+                </a:solidFill>
+                <a:latin typeface="Consolas" panose="020B0609020204030204" pitchFamily="49" charset="0"/>
+                <a:cs typeface="Consolas" panose="020B0609020204030204" pitchFamily="49" charset="0"/>
+              </a:rPr>
+              <a:t>/</a:t>
+            </a:r>
+            <a:r>
+              <a:rPr lang="en-US" altLang="en-US" sz="2800" dirty="0" err="1">
+                <a:solidFill>
+                  <a:srgbClr val="A31515"/>
+                </a:solidFill>
+                <a:latin typeface="Consolas" panose="020B0609020204030204" pitchFamily="49" charset="0"/>
+                <a:cs typeface="Consolas" panose="020B0609020204030204" pitchFamily="49" charset="0"/>
+              </a:rPr>
+              <a:t>yyyy</a:t>
+            </a:r>
+            <a:r>
+              <a:rPr lang="en-US" altLang="en-US" sz="2800" dirty="0" smtClean="0">
+                <a:solidFill>
+                  <a:srgbClr val="A31515"/>
+                </a:solidFill>
+                <a:latin typeface="Consolas" panose="020B0609020204030204" pitchFamily="49" charset="0"/>
+                <a:cs typeface="Consolas" panose="020B0609020204030204" pitchFamily="49" charset="0"/>
+              </a:rPr>
+              <a:t>) "</a:t>
+            </a:r>
+            <a:r>
+              <a:rPr lang="en-US" altLang="en-US" sz="2800" dirty="0" smtClean="0">
+                <a:solidFill>
+                  <a:srgbClr val="000000"/>
+                </a:solidFill>
+                <a:latin typeface="Consolas" panose="020B0609020204030204" pitchFamily="49" charset="0"/>
+                <a:cs typeface="Consolas" panose="020B0609020204030204" pitchFamily="49" charset="0"/>
+              </a:rPr>
+              <a:t>) </a:t>
+            </a:r>
+            <a:endParaRPr lang="en-CA" sz="2800" dirty="0" smtClean="0"/>
+          </a:p>
+          <a:p>
+            <a:r>
+              <a:rPr lang="en-CA" dirty="0" smtClean="0"/>
+              <a:t>Add error handling, which we will cover in a later module</a:t>
+            </a:r>
+            <a:endParaRPr lang="en-US" dirty="0"/>
+          </a:p>
+        </p:txBody>
+      </p:sp>
+      <p:sp>
+        <p:nvSpPr>
+          <p:cNvPr id="5" name="Rectangle 4"/>
+          <p:cNvSpPr/>
+          <p:nvPr/>
+        </p:nvSpPr>
+        <p:spPr>
+          <a:xfrm>
+            <a:off x="379513" y="1772425"/>
+            <a:ext cx="11812487" cy="523220"/>
+          </a:xfrm>
+          <a:prstGeom prst="rect">
+            <a:avLst/>
+          </a:prstGeom>
+        </p:spPr>
+        <p:txBody>
+          <a:bodyPr wrap="square">
+            <a:spAutoFit/>
+          </a:bodyPr>
+          <a:lstStyle/>
+          <a:p>
+            <a:pPr lvl="0" eaLnBrk="0" fontAlgn="base" hangingPunct="0">
+              <a:spcBef>
+                <a:spcPct val="0"/>
+              </a:spcBef>
+              <a:spcAft>
+                <a:spcPct val="0"/>
+              </a:spcAft>
+            </a:pPr>
+            <a:r>
+              <a:rPr lang="en-US" altLang="en-US" sz="2800" dirty="0">
+                <a:solidFill>
+                  <a:srgbClr val="000000"/>
+                </a:solidFill>
+                <a:latin typeface="Consolas" panose="020B0609020204030204" pitchFamily="49" charset="0"/>
+                <a:cs typeface="Consolas" panose="020B0609020204030204" pitchFamily="49" charset="0"/>
+              </a:rPr>
+              <a:t>birthdate = </a:t>
+            </a:r>
+            <a:r>
+              <a:rPr lang="en-US" altLang="en-US" sz="2800" dirty="0" err="1">
+                <a:solidFill>
+                  <a:srgbClr val="000000"/>
+                </a:solidFill>
+                <a:latin typeface="Consolas" panose="020B0609020204030204" pitchFamily="49" charset="0"/>
+                <a:cs typeface="Consolas" panose="020B0609020204030204" pitchFamily="49" charset="0"/>
+              </a:rPr>
+              <a:t>datetime.datetime.strptime</a:t>
+            </a:r>
+            <a:r>
+              <a:rPr lang="en-US" altLang="en-US" sz="2800" dirty="0">
+                <a:solidFill>
+                  <a:srgbClr val="000000"/>
+                </a:solidFill>
+                <a:latin typeface="Consolas" panose="020B0609020204030204" pitchFamily="49" charset="0"/>
+                <a:cs typeface="Consolas" panose="020B0609020204030204" pitchFamily="49" charset="0"/>
+              </a:rPr>
+              <a:t>(</a:t>
+            </a:r>
+            <a:r>
+              <a:rPr lang="en-US" altLang="en-US" sz="2800" dirty="0" err="1">
+                <a:solidFill>
+                  <a:srgbClr val="000000"/>
+                </a:solidFill>
+                <a:latin typeface="Consolas" panose="020B0609020204030204" pitchFamily="49" charset="0"/>
+                <a:cs typeface="Consolas" panose="020B0609020204030204" pitchFamily="49" charset="0"/>
+              </a:rPr>
+              <a:t>birthday,</a:t>
+            </a:r>
+            <a:r>
+              <a:rPr lang="en-US" altLang="en-US" sz="2800" dirty="0" err="1">
+                <a:solidFill>
+                  <a:srgbClr val="A31515"/>
+                </a:solidFill>
+                <a:latin typeface="Consolas" panose="020B0609020204030204" pitchFamily="49" charset="0"/>
+                <a:cs typeface="Consolas" panose="020B0609020204030204" pitchFamily="49" charset="0"/>
+              </a:rPr>
+              <a:t>"%m</a:t>
+            </a:r>
+            <a:r>
+              <a:rPr lang="en-US" altLang="en-US" sz="2800" dirty="0">
+                <a:solidFill>
+                  <a:srgbClr val="A31515"/>
+                </a:solidFill>
+                <a:latin typeface="Consolas" panose="020B0609020204030204" pitchFamily="49" charset="0"/>
+                <a:cs typeface="Consolas" panose="020B0609020204030204" pitchFamily="49" charset="0"/>
+              </a:rPr>
+              <a:t>/%d/%Y"</a:t>
+            </a:r>
+            <a:r>
+              <a:rPr lang="en-US" altLang="en-US" sz="2800" dirty="0">
+                <a:solidFill>
+                  <a:srgbClr val="000000"/>
+                </a:solidFill>
+                <a:latin typeface="Consolas" panose="020B0609020204030204" pitchFamily="49" charset="0"/>
+                <a:cs typeface="Consolas" panose="020B0609020204030204" pitchFamily="49" charset="0"/>
+              </a:rPr>
+              <a:t>) </a:t>
+            </a:r>
+          </a:p>
+        </p:txBody>
+      </p:sp>
+    </p:spTree>
+    <p:extLst>
+      <p:ext uri="{BB962C8B-B14F-4D97-AF65-F5344CB8AC3E}">
+        <p14:creationId xmlns:p14="http://schemas.microsoft.com/office/powerpoint/2010/main" val="54064368"/>
+      </p:ext>
+    </p:extLst>
+  </p:cSld>
+  <p:clrMapOvr>
+    <a:masterClrMapping/>
+  </p:clrMapOvr>
+  <p:timing>
+    <p:tnLst>
+      <p:par>
+        <p:cTn id="1" dur="indefinite" restart="never" nodeType="tmRoot">
+          <p:childTnLst>
+            <p:seq concurrent="1" nextAc="seek">
+              <p:cTn id="2" dur="indefinite" nodeType="mainSeq">
+                <p:childTnLst>
+                  <p:par>
+                    <p:cTn id="3" fill="hold">
+                      <p:stCondLst>
+                        <p:cond delay="indefinite"/>
+                      </p:stCondLst>
+                      <p:childTnLst>
+                        <p:par>
+                          <p:cTn id="4" fill="hold">
+                            <p:stCondLst>
+                              <p:cond delay="0"/>
+                            </p:stCondLst>
+                            <p:childTnLst>
+                              <p:par>
+                                <p:cTn id="5" presetID="1" presetClass="entr" presetSubtype="0" fill="hold" nodeType="clickEffect">
+                                  <p:stCondLst>
+                                    <p:cond delay="0"/>
+                                  </p:stCondLst>
+                                  <p:childTnLst>
+                                    <p:set>
+                                      <p:cBhvr>
+                                        <p:cTn id="6" dur="1" fill="hold">
+                                          <p:stCondLst>
+                                            <p:cond delay="0"/>
+                                          </p:stCondLst>
+                                        </p:cTn>
+                                        <p:tgtEl>
+                                          <p:spTgt spid="4">
+                                            <p:txEl>
+                                              <p:pRg st="0" end="0"/>
+                                            </p:txEl>
+                                          </p:spTgt>
+                                        </p:tgtEl>
+                                        <p:attrNameLst>
+                                          <p:attrName>style.visibility</p:attrName>
+                                        </p:attrNameLst>
+                                      </p:cBhvr>
+                                      <p:to>
+                                        <p:strVal val="visible"/>
+                                      </p:to>
+                                    </p:set>
+                                  </p:childTnLst>
+                                </p:cTn>
+                              </p:par>
+                            </p:childTnLst>
+                          </p:cTn>
+                        </p:par>
+                      </p:childTnLst>
+                    </p:cTn>
+                  </p:par>
+                  <p:par>
+                    <p:cTn id="7" fill="hold">
+                      <p:stCondLst>
+                        <p:cond delay="indefinite"/>
+                      </p:stCondLst>
+                      <p:childTnLst>
+                        <p:par>
+                          <p:cTn id="8" fill="hold">
+                            <p:stCondLst>
+                              <p:cond delay="0"/>
+                            </p:stCondLst>
+                            <p:childTnLst>
+                              <p:par>
+                                <p:cTn id="9" presetID="1" presetClass="entr" presetSubtype="0" fill="hold" nodeType="clickEffect">
+                                  <p:stCondLst>
+                                    <p:cond delay="0"/>
+                                  </p:stCondLst>
+                                  <p:childTnLst>
+                                    <p:set>
+                                      <p:cBhvr>
+                                        <p:cTn id="10" dur="1" fill="hold">
+                                          <p:stCondLst>
+                                            <p:cond delay="0"/>
+                                          </p:stCondLst>
+                                        </p:cTn>
+                                        <p:tgtEl>
+                                          <p:spTgt spid="4">
+                                            <p:txEl>
+                                              <p:pRg st="1" end="1"/>
+                                            </p:txEl>
+                                          </p:spTgt>
+                                        </p:tgtEl>
+                                        <p:attrNameLst>
+                                          <p:attrName>style.visibility</p:attrName>
+                                        </p:attrNameLst>
+                                      </p:cBhvr>
+                                      <p:to>
+                                        <p:strVal val="visible"/>
+                                      </p:to>
+                                    </p:set>
+                                  </p:childTnLst>
+                                </p:cTn>
+                              </p:par>
+                              <p:par>
+                                <p:cTn id="11" presetID="1" presetClass="entr" presetSubtype="0" fill="hold" nodeType="withEffect">
+                                  <p:stCondLst>
+                                    <p:cond delay="0"/>
+                                  </p:stCondLst>
+                                  <p:childTnLst>
+                                    <p:set>
+                                      <p:cBhvr>
+                                        <p:cTn id="12" dur="1" fill="hold">
+                                          <p:stCondLst>
+                                            <p:cond delay="0"/>
+                                          </p:stCondLst>
+                                        </p:cTn>
+                                        <p:tgtEl>
+                                          <p:spTgt spid="4">
+                                            <p:txEl>
+                                              <p:pRg st="2" end="2"/>
+                                            </p:txEl>
+                                          </p:spTgt>
+                                        </p:tgtEl>
+                                        <p:attrNameLst>
+                                          <p:attrName>style.visibility</p:attrName>
+                                        </p:attrNameLst>
+                                      </p:cBhvr>
+                                      <p:to>
+                                        <p:strVal val="visible"/>
+                                      </p:to>
+                                    </p:set>
+                                  </p:childTnLst>
+                                </p:cTn>
+                              </p:par>
+                            </p:childTnLst>
+                          </p:cTn>
+                        </p:par>
+                      </p:childTnLst>
+                    </p:cTn>
+                  </p:par>
+                  <p:par>
+                    <p:cTn id="13" fill="hold">
+                      <p:stCondLst>
+                        <p:cond delay="indefinite"/>
+                      </p:stCondLst>
+                      <p:childTnLst>
+                        <p:par>
+                          <p:cTn id="14" fill="hold">
+                            <p:stCondLst>
+                              <p:cond delay="0"/>
+                            </p:stCondLst>
+                            <p:childTnLst>
+                              <p:par>
+                                <p:cTn id="15" presetID="1" presetClass="entr" presetSubtype="0" fill="hold" nodeType="clickEffect">
+                                  <p:stCondLst>
+                                    <p:cond delay="0"/>
+                                  </p:stCondLst>
+                                  <p:childTnLst>
+                                    <p:set>
+                                      <p:cBhvr>
+                                        <p:cTn id="16" dur="1" fill="hold">
+                                          <p:stCondLst>
+                                            <p:cond delay="0"/>
+                                          </p:stCondLst>
+                                        </p:cTn>
+                                        <p:tgtEl>
+                                          <p:spTgt spid="4">
+                                            <p:txEl>
+                                              <p:pRg st="3" end="3"/>
+                                            </p:txEl>
+                                          </p:spTgt>
+                                        </p:tgtEl>
+                                        <p:attrNameLst>
+                                          <p:attrName>style.visibility</p:attrName>
+                                        </p:attrNameLst>
+                                      </p:cBhvr>
+                                      <p:to>
+                                        <p:strVal val="visible"/>
+                                      </p:to>
+                                    </p:set>
+                                  </p:childTnLst>
+                                </p:cTn>
+                              </p:par>
+                            </p:childTnLst>
+                          </p:cTn>
+                        </p:par>
+                      </p:childTnLst>
+                    </p:cTn>
+                  </p:par>
+                </p:childTnLst>
+              </p:cTn>
+              <p:prevCondLst>
+                <p:cond evt="onPrev" delay="0">
+                  <p:tgtEl>
+                    <p:sldTgt/>
+                  </p:tgtEl>
+                </p:cond>
+              </p:prevCondLst>
+              <p:nextCondLst>
+                <p:cond evt="onNext" delay="0">
+                  <p:tgtEl>
+                    <p:sldTgt/>
+                  </p:tgtEl>
+                </p:cond>
+              </p:nextCondLst>
+            </p:seq>
+          </p:childTnLst>
+        </p:cTn>
+      </p:par>
+    </p:tnLst>
+  </p:timing>
+</p:sld>
+</file>
+
+<file path=ppt/slides/slide21.xml><?xml version="1.0" encoding="utf-8"?>
+<p:sld xmlns:a="http://schemas.openxmlformats.org/drawingml/2006/main" xmlns:r="http://schemas.openxmlformats.org/officeDocument/2006/relationships" xmlns:p="http://schemas.openxmlformats.org/presentationml/2006/main">
+  <p:cSld>
+    <p:spTree>
+      <p:nvGrpSpPr>
+        <p:cNvPr id="1" name=""/>
+        <p:cNvGrpSpPr/>
+        <p:nvPr/>
+      </p:nvGrpSpPr>
+      <p:grpSpPr>
+        <a:xfrm>
+          <a:off x="0" y="0"/>
+          <a:ext cx="0" cy="0"/>
+          <a:chOff x="0" y="0"/>
+          <a:chExt cx="0" cy="0"/>
+        </a:xfrm>
+      </p:grpSpPr>
+      <p:sp>
+        <p:nvSpPr>
+          <p:cNvPr id="2" name="Title 1"/>
+          <p:cNvSpPr>
+            <a:spLocks noGrp="1"/>
+          </p:cNvSpPr>
+          <p:nvPr>
+            <p:ph type="title"/>
+          </p:nvPr>
+        </p:nvSpPr>
+        <p:spPr/>
+        <p:txBody>
+          <a:bodyPr>
+            <a:normAutofit fontScale="90000"/>
+          </a:bodyPr>
+          <a:lstStyle/>
+          <a:p>
+            <a:r>
+              <a:rPr lang="en-CA" dirty="0" smtClean="0"/>
               <a:t>Dates seem like a lot of hassle, is it worth it? Why not just store them as strings!</a:t>
             </a:r>
             <a:endParaRPr lang="en-US" dirty="0"/>
@@ -10052,7 +10457,7 @@
 </p:sld>
 </file>
 
-<file path=ppt/slides/slide21.xml><?xml version="1.0" encoding="utf-8"?>
+<file path=ppt/slides/slide22.xml><?xml version="1.0" encoding="utf-8"?>
 <p:sld xmlns:a="http://schemas.openxmlformats.org/drawingml/2006/main" xmlns:r="http://schemas.openxmlformats.org/officeDocument/2006/relationships" xmlns:p="http://schemas.openxmlformats.org/presentationml/2006/main">
   <p:cSld>
     <p:spTree>
@@ -10650,7 +11055,7 @@
 </p:sld>
 </file>
 
-<file path=ppt/slides/slide22.xml><?xml version="1.0" encoding="utf-8"?>
+<file path=ppt/slides/slide23.xml><?xml version="1.0" encoding="utf-8"?>
 <p:sld xmlns:a="http://schemas.openxmlformats.org/drawingml/2006/main" xmlns:r="http://schemas.openxmlformats.org/officeDocument/2006/relationships" xmlns:p="http://schemas.openxmlformats.org/presentationml/2006/main">
   <p:cSld>
     <p:spTree>
@@ -10845,7 +11250,7 @@
 </p:sld>
 </file>
 
-<file path=ppt/slides/slide23.xml><?xml version="1.0" encoding="utf-8"?>
+<file path=ppt/slides/slide24.xml><?xml version="1.0" encoding="utf-8"?>
 <p:sld xmlns:a="http://schemas.openxmlformats.org/drawingml/2006/main" xmlns:r="http://schemas.openxmlformats.org/officeDocument/2006/relationships" xmlns:p="http://schemas.openxmlformats.org/presentationml/2006/main">
   <p:cSld>
     <p:spTree>
@@ -11588,7 +11993,7 @@
 </p:sld>
 </file>
 
-<file path=ppt/slides/slide24.xml><?xml version="1.0" encoding="utf-8"?>
+<file path=ppt/slides/slide25.xml><?xml version="1.0" encoding="utf-8"?>
 <p:sld xmlns:a="http://schemas.openxmlformats.org/drawingml/2006/main" xmlns:r="http://schemas.openxmlformats.org/officeDocument/2006/relationships" xmlns:p="http://schemas.openxmlformats.org/presentationml/2006/main">
   <p:cSld>
     <p:spTree>
@@ -12098,7 +12503,7 @@
 </p:sld>
 </file>
 
-<file path=ppt/slides/slide25.xml><?xml version="1.0" encoding="utf-8"?>
+<file path=ppt/slides/slide26.xml><?xml version="1.0" encoding="utf-8"?>
 <p:sld xmlns:a="http://schemas.openxmlformats.org/drawingml/2006/main" xmlns:r="http://schemas.openxmlformats.org/officeDocument/2006/relationships" xmlns:p="http://schemas.openxmlformats.org/presentationml/2006/main">
   <p:cSld>
     <p:spTree>
@@ -12151,7 +12556,7 @@
 </p:sld>
 </file>
 
-<file path=ppt/slides/slide26.xml><?xml version="1.0" encoding="utf-8"?>
+<file path=ppt/slides/slide27.xml><?xml version="1.0" encoding="utf-8"?>
 <p:sld xmlns:a="http://schemas.openxmlformats.org/drawingml/2006/main" xmlns:r="http://schemas.openxmlformats.org/officeDocument/2006/relationships" xmlns:p="http://schemas.openxmlformats.org/presentationml/2006/main">
   <p:cSld>
     <p:spTree>
@@ -12384,7 +12789,7 @@
 </p:sld>
 </file>
 
-<file path=ppt/slides/slide27.xml><?xml version="1.0" encoding="utf-8"?>
+<file path=ppt/slides/slide28.xml><?xml version="1.0" encoding="utf-8"?>
 <p:sld xmlns:a="http://schemas.openxmlformats.org/drawingml/2006/main" xmlns:r="http://schemas.openxmlformats.org/officeDocument/2006/relationships" xmlns:p="http://schemas.openxmlformats.org/presentationml/2006/main">
   <p:cSld>
     <p:spTree>
@@ -12629,7 +13034,7 @@
 </p:sld>
 </file>
 
-<file path=ppt/slides/slide28.xml><?xml version="1.0" encoding="utf-8"?>
+<file path=ppt/slides/slide29.xml><?xml version="1.0" encoding="utf-8"?>
 <p:sld xmlns:a="http://schemas.openxmlformats.org/drawingml/2006/main" xmlns:r="http://schemas.openxmlformats.org/officeDocument/2006/relationships" xmlns:p="http://schemas.openxmlformats.org/presentationml/2006/main">
   <p:cSld>
     <p:spTree>
@@ -14639,7 +15044,7 @@
       </p:grpSpPr>
       <p:sp>
         <p:nvSpPr>
-          <p:cNvPr id="4" name="Title 3"/>
+          <p:cNvPr id="2" name="Title 1"/>
           <p:cNvSpPr>
             <a:spLocks noGrp="1"/>
           </p:cNvSpPr>
@@ -14647,383 +15052,33 @@
             <p:ph type="title"/>
           </p:nvPr>
         </p:nvSpPr>
-        <p:spPr/>
-        <p:txBody>
-          <a:bodyPr>
-            <a:normAutofit fontScale="90000"/>
-          </a:bodyPr>
-          <a:lstStyle/>
-          <a:p>
-            <a:r>
-              <a:rPr lang="en-CA" dirty="0" smtClean="0"/>
-              <a:t>But what if you want to display the date with a different format?</a:t>
-            </a:r>
-            <a:endParaRPr lang="en-US" dirty="0"/>
-          </a:p>
-        </p:txBody>
-      </p:sp>
-      <p:sp>
-        <p:nvSpPr>
-          <p:cNvPr id="2" name="Content Placeholder 1"/>
-          <p:cNvSpPr>
-            <a:spLocks noGrp="1"/>
-          </p:cNvSpPr>
-          <p:nvPr>
-            <p:ph sz="quarter" idx="10"/>
-          </p:nvPr>
-        </p:nvSpPr>
-        <p:spPr/>
+        <p:spPr>
+          <a:xfrm>
+            <a:off x="341729" y="2978314"/>
+            <a:ext cx="11524432" cy="1063487"/>
+          </a:xfrm>
+        </p:spPr>
         <p:txBody>
           <a:bodyPr/>
           <a:lstStyle/>
           <a:p>
             <a:r>
-              <a:rPr lang="en-CA" dirty="0" smtClean="0"/>
-              <a:t>Welcome to one of the things that drives programmers insane! </a:t>
-            </a:r>
-          </a:p>
-          <a:p>
-            <a:r>
-              <a:rPr lang="en-CA" dirty="0" smtClean="0"/>
-              <a:t>Different countries and different users like different date formats, often the default isn’t what you need</a:t>
-            </a:r>
-          </a:p>
-          <a:p>
-            <a:r>
-              <a:rPr lang="en-CA" dirty="0" smtClean="0"/>
-              <a:t>There is always a way to handle it, but it will take a little time and extra code</a:t>
-            </a:r>
-          </a:p>
-          <a:p>
-            <a:r>
-              <a:rPr lang="en-CA" dirty="0" smtClean="0"/>
-              <a:t>The default format is YYYY-MM-DD</a:t>
-            </a:r>
-          </a:p>
-        </p:txBody>
-      </p:sp>
-      <p:sp>
-        <p:nvSpPr>
-          <p:cNvPr id="3" name="Rectangle 1"/>
-          <p:cNvSpPr>
-            <a:spLocks noChangeArrowheads="1"/>
-          </p:cNvSpPr>
-          <p:nvPr/>
-        </p:nvSpPr>
-        <p:spPr bwMode="auto">
-          <a:xfrm>
-            <a:off x="379413" y="2432982"/>
-            <a:ext cx="184731" cy="523220"/>
-          </a:xfrm>
-          <a:prstGeom prst="rect">
-            <a:avLst/>
-          </a:prstGeom>
-          <a:solidFill>
-            <a:srgbClr val="FFFFFF"/>
-          </a:solidFill>
-          <a:ln>
-            <a:noFill/>
-          </a:ln>
-          <a:effectLst/>
-          <a:extLst>
-            <a:ext uri="{91240B29-F687-4F45-9708-019B960494DF}">
-              <a14:hiddenLine xmlns:a14="http://schemas.microsoft.com/office/drawing/2010/main" w="9525">
-                <a:solidFill>
-                  <a:schemeClr val="tx1"/>
-                </a:solidFill>
-                <a:miter lim="800000"/>
-                <a:headEnd/>
-                <a:tailEnd/>
-              </a14:hiddenLine>
-            </a:ext>
-            <a:ext uri="{AF507438-7753-43E0-B8FC-AC1667EBCBE1}">
-              <a14:hiddenEffects xmlns:a14="http://schemas.microsoft.com/office/drawing/2010/main">
-                <a:effectLst>
-                  <a:outerShdw dist="35921" dir="2700000" algn="ctr" rotWithShape="0">
-                    <a:schemeClr val="bg2"/>
-                  </a:outerShdw>
-                </a:effectLst>
-              </a14:hiddenEffects>
-            </a:ext>
-          </a:extLst>
-        </p:spPr>
-        <p:txBody>
-          <a:bodyPr vert="horz" wrap="none" lIns="91440" tIns="45720" rIns="91440" bIns="45720" numCol="1" anchor="ctr" anchorCtr="0" compatLnSpc="1">
-            <a:prstTxWarp prst="textNoShape">
-              <a:avLst/>
-            </a:prstTxWarp>
-            <a:spAutoFit/>
-          </a:bodyPr>
-          <a:lstStyle/>
-          <a:p>
-            <a:pPr marL="0" marR="0" lvl="0" indent="0" algn="l" defTabSz="914400" rtl="0" eaLnBrk="0" fontAlgn="base" latinLnBrk="0" hangingPunct="0">
-              <a:lnSpc>
-                <a:spcPct val="100000"/>
-              </a:lnSpc>
-              <a:spcBef>
-                <a:spcPct val="0"/>
-              </a:spcBef>
-              <a:spcAft>
-                <a:spcPct val="0"/>
-              </a:spcAft>
-              <a:buClrTx/>
-              <a:buSzTx/>
-              <a:buFontTx/>
-              <a:buNone/>
-              <a:tabLst/>
-            </a:pPr>
-            <a:endParaRPr kumimoji="0" lang="en-US" altLang="en-US" sz="2800" b="0" i="0" u="none" strike="noStrike" cap="none" normalizeH="0" baseline="0" dirty="0" smtClean="0">
-              <a:ln>
-                <a:noFill/>
-              </a:ln>
-              <a:solidFill>
-                <a:schemeClr val="tx1"/>
-              </a:solidFill>
-              <a:effectLst/>
-              <a:latin typeface="Arial" panose="020B0604020202020204" pitchFamily="34" charset="0"/>
-            </a:endParaRPr>
+              <a:rPr lang="en-US" dirty="0"/>
+              <a:t>What date does 2/5/2014 represent?</a:t>
+            </a:r>
           </a:p>
         </p:txBody>
       </p:sp>
     </p:spTree>
     <p:extLst>
       <p:ext uri="{BB962C8B-B14F-4D97-AF65-F5344CB8AC3E}">
-        <p14:creationId xmlns:p14="http://schemas.microsoft.com/office/powerpoint/2010/main" val="1235458783"/>
+        <p14:creationId xmlns:p14="http://schemas.microsoft.com/office/powerpoint/2010/main" val="186808244"/>
       </p:ext>
     </p:extLst>
   </p:cSld>
   <p:clrMapOvr>
     <a:masterClrMapping/>
   </p:clrMapOvr>
-  <p:timing>
-    <p:tnLst>
-      <p:par>
-        <p:cTn id="1" dur="indefinite" restart="never" nodeType="tmRoot">
-          <p:childTnLst>
-            <p:seq concurrent="1" nextAc="seek">
-              <p:cTn id="2" dur="indefinite" nodeType="mainSeq">
-                <p:childTnLst>
-                  <p:par>
-                    <p:cTn id="3" fill="hold">
-                      <p:stCondLst>
-                        <p:cond delay="indefinite"/>
-                      </p:stCondLst>
-                      <p:childTnLst>
-                        <p:par>
-                          <p:cTn id="4" fill="hold">
-                            <p:stCondLst>
-                              <p:cond delay="0"/>
-                            </p:stCondLst>
-                            <p:childTnLst>
-                              <p:par>
-                                <p:cTn id="5" presetID="1" presetClass="entr" presetSubtype="0" fill="hold" grpId="0" nodeType="clickEffect">
-                                  <p:stCondLst>
-                                    <p:cond delay="0"/>
-                                  </p:stCondLst>
-                                  <p:childTnLst>
-                                    <p:set>
-                                      <p:cBhvr>
-                                        <p:cTn id="6" dur="1" fill="hold">
-                                          <p:stCondLst>
-                                            <p:cond delay="0"/>
-                                          </p:stCondLst>
-                                        </p:cTn>
-                                        <p:tgtEl>
-                                          <p:spTgt spid="2">
-                                            <p:txEl>
-                                              <p:pRg st="0" end="0"/>
-                                            </p:txEl>
-                                          </p:spTgt>
-                                        </p:tgtEl>
-                                        <p:attrNameLst>
-                                          <p:attrName>style.visibility</p:attrName>
-                                        </p:attrNameLst>
-                                      </p:cBhvr>
-                                      <p:to>
-                                        <p:strVal val="visible"/>
-                                      </p:to>
-                                    </p:set>
-                                  </p:childTnLst>
-                                </p:cTn>
-                              </p:par>
-                            </p:childTnLst>
-                          </p:cTn>
-                        </p:par>
-                      </p:childTnLst>
-                    </p:cTn>
-                  </p:par>
-                  <p:par>
-                    <p:cTn id="7" fill="hold">
-                      <p:stCondLst>
-                        <p:cond delay="indefinite"/>
-                      </p:stCondLst>
-                      <p:childTnLst>
-                        <p:par>
-                          <p:cTn id="8" fill="hold">
-                            <p:stCondLst>
-                              <p:cond delay="0"/>
-                            </p:stCondLst>
-                            <p:childTnLst>
-                              <p:par>
-                                <p:cTn id="9" presetID="1" presetClass="entr" presetSubtype="0" fill="hold" grpId="0" nodeType="clickEffect">
-                                  <p:stCondLst>
-                                    <p:cond delay="0"/>
-                                  </p:stCondLst>
-                                  <p:childTnLst>
-                                    <p:set>
-                                      <p:cBhvr>
-                                        <p:cTn id="10" dur="1" fill="hold">
-                                          <p:stCondLst>
-                                            <p:cond delay="0"/>
-                                          </p:stCondLst>
-                                        </p:cTn>
-                                        <p:tgtEl>
-                                          <p:spTgt spid="2">
-                                            <p:txEl>
-                                              <p:pRg st="1" end="1"/>
-                                            </p:txEl>
-                                          </p:spTgt>
-                                        </p:tgtEl>
-                                        <p:attrNameLst>
-                                          <p:attrName>style.visibility</p:attrName>
-                                        </p:attrNameLst>
-                                      </p:cBhvr>
-                                      <p:to>
-                                        <p:strVal val="visible"/>
-                                      </p:to>
-                                    </p:set>
-                                  </p:childTnLst>
-                                </p:cTn>
-                              </p:par>
-                            </p:childTnLst>
-                          </p:cTn>
-                        </p:par>
-                      </p:childTnLst>
-                    </p:cTn>
-                  </p:par>
-                  <p:par>
-                    <p:cTn id="11" fill="hold">
-                      <p:stCondLst>
-                        <p:cond delay="indefinite"/>
-                      </p:stCondLst>
-                      <p:childTnLst>
-                        <p:par>
-                          <p:cTn id="12" fill="hold">
-                            <p:stCondLst>
-                              <p:cond delay="0"/>
-                            </p:stCondLst>
-                            <p:childTnLst>
-                              <p:par>
-                                <p:cTn id="13" presetID="1" presetClass="entr" presetSubtype="0" fill="hold" grpId="0" nodeType="clickEffect">
-                                  <p:stCondLst>
-                                    <p:cond delay="0"/>
-                                  </p:stCondLst>
-                                  <p:childTnLst>
-                                    <p:set>
-                                      <p:cBhvr>
-                                        <p:cTn id="14" dur="1" fill="hold">
-                                          <p:stCondLst>
-                                            <p:cond delay="0"/>
-                                          </p:stCondLst>
-                                        </p:cTn>
-                                        <p:tgtEl>
-                                          <p:spTgt spid="2">
-                                            <p:txEl>
-                                              <p:pRg st="2" end="2"/>
-                                            </p:txEl>
-                                          </p:spTgt>
-                                        </p:tgtEl>
-                                        <p:attrNameLst>
-                                          <p:attrName>style.visibility</p:attrName>
-                                        </p:attrNameLst>
-                                      </p:cBhvr>
-                                      <p:to>
-                                        <p:strVal val="visible"/>
-                                      </p:to>
-                                    </p:set>
-                                  </p:childTnLst>
-                                </p:cTn>
-                              </p:par>
-                            </p:childTnLst>
-                          </p:cTn>
-                        </p:par>
-                      </p:childTnLst>
-                    </p:cTn>
-                  </p:par>
-                  <p:par>
-                    <p:cTn id="15" fill="hold">
-                      <p:stCondLst>
-                        <p:cond delay="indefinite"/>
-                      </p:stCondLst>
-                      <p:childTnLst>
-                        <p:par>
-                          <p:cTn id="16" fill="hold">
-                            <p:stCondLst>
-                              <p:cond delay="0"/>
-                            </p:stCondLst>
-                            <p:childTnLst>
-                              <p:par>
-                                <p:cTn id="17" presetID="1" presetClass="entr" presetSubtype="0" fill="hold" grpId="0" nodeType="clickEffect">
-                                  <p:stCondLst>
-                                    <p:cond delay="0"/>
-                                  </p:stCondLst>
-                                  <p:childTnLst>
-                                    <p:set>
-                                      <p:cBhvr>
-                                        <p:cTn id="18" dur="1" fill="hold">
-                                          <p:stCondLst>
-                                            <p:cond delay="0"/>
-                                          </p:stCondLst>
-                                        </p:cTn>
-                                        <p:tgtEl>
-                                          <p:spTgt spid="2">
-                                            <p:txEl>
-                                              <p:pRg st="3" end="3"/>
-                                            </p:txEl>
-                                          </p:spTgt>
-                                        </p:tgtEl>
-                                        <p:attrNameLst>
-                                          <p:attrName>style.visibility</p:attrName>
-                                        </p:attrNameLst>
-                                      </p:cBhvr>
-                                      <p:to>
-                                        <p:strVal val="visible"/>
-                                      </p:to>
-                                    </p:set>
-                                  </p:childTnLst>
-                                </p:cTn>
-                              </p:par>
-                            </p:childTnLst>
-                          </p:cTn>
-                        </p:par>
-                      </p:childTnLst>
-                    </p:cTn>
-                  </p:par>
-                </p:childTnLst>
-              </p:cTn>
-              <p:prevCondLst>
-                <p:cond evt="onPrev" delay="0">
-                  <p:tgtEl>
-                    <p:sldTgt/>
-                  </p:tgtEl>
-                </p:cond>
-              </p:prevCondLst>
-              <p:nextCondLst>
-                <p:cond evt="onNext" delay="0">
-                  <p:tgtEl>
-                    <p:sldTgt/>
-                  </p:tgtEl>
-                </p:cond>
-              </p:nextCondLst>
-            </p:seq>
-          </p:childTnLst>
-        </p:cTn>
-      </p:par>
-    </p:tnLst>
-    <p:bldLst>
-      <p:bldP spid="2" grpId="0" build="p"/>
-    </p:bldLst>
-  </p:timing>
 </p:sld>
 </file>
 

--- a/Office Docs/5 Working with dates and times.pptx
+++ b/Office Docs/5 Working with dates and times.pptx
@@ -5,7 +5,7 @@
     <p:sldMasterId id="2147483660" r:id="rId1"/>
   </p:sldMasterIdLst>
   <p:notesMasterIdLst>
-    <p:notesMasterId r:id="rId31"/>
+    <p:notesMasterId r:id="rId33"/>
   </p:notesMasterIdLst>
   <p:sldIdLst>
     <p:sldId id="358" r:id="rId2"/>
@@ -16,27 +16,29 @@
     <p:sldId id="382" r:id="rId7"/>
     <p:sldId id="361" r:id="rId8"/>
     <p:sldId id="383" r:id="rId9"/>
-    <p:sldId id="387" r:id="rId10"/>
-    <p:sldId id="362" r:id="rId11"/>
-    <p:sldId id="363" r:id="rId12"/>
-    <p:sldId id="364" r:id="rId13"/>
-    <p:sldId id="365" r:id="rId14"/>
-    <p:sldId id="384" r:id="rId15"/>
-    <p:sldId id="366" r:id="rId16"/>
-    <p:sldId id="367" r:id="rId17"/>
-    <p:sldId id="368" r:id="rId18"/>
-    <p:sldId id="370" r:id="rId19"/>
-    <p:sldId id="385" r:id="rId20"/>
-    <p:sldId id="371" r:id="rId21"/>
-    <p:sldId id="372" r:id="rId22"/>
-    <p:sldId id="373" r:id="rId23"/>
-    <p:sldId id="374" r:id="rId24"/>
-    <p:sldId id="375" r:id="rId25"/>
-    <p:sldId id="376" r:id="rId26"/>
-    <p:sldId id="386" r:id="rId27"/>
-    <p:sldId id="379" r:id="rId28"/>
-    <p:sldId id="380" r:id="rId29"/>
-    <p:sldId id="381" r:id="rId30"/>
+    <p:sldId id="388" r:id="rId10"/>
+    <p:sldId id="387" r:id="rId11"/>
+    <p:sldId id="362" r:id="rId12"/>
+    <p:sldId id="363" r:id="rId13"/>
+    <p:sldId id="364" r:id="rId14"/>
+    <p:sldId id="365" r:id="rId15"/>
+    <p:sldId id="384" r:id="rId16"/>
+    <p:sldId id="366" r:id="rId17"/>
+    <p:sldId id="367" r:id="rId18"/>
+    <p:sldId id="368" r:id="rId19"/>
+    <p:sldId id="370" r:id="rId20"/>
+    <p:sldId id="385" r:id="rId21"/>
+    <p:sldId id="371" r:id="rId22"/>
+    <p:sldId id="372" r:id="rId23"/>
+    <p:sldId id="373" r:id="rId24"/>
+    <p:sldId id="374" r:id="rId25"/>
+    <p:sldId id="389" r:id="rId26"/>
+    <p:sldId id="375" r:id="rId27"/>
+    <p:sldId id="376" r:id="rId28"/>
+    <p:sldId id="386" r:id="rId29"/>
+    <p:sldId id="379" r:id="rId30"/>
+    <p:sldId id="380" r:id="rId31"/>
+    <p:sldId id="381" r:id="rId32"/>
   </p:sldIdLst>
   <p:sldSz cx="12192000" cy="6858000"/>
   <p:notesSz cx="6858000" cy="9144000"/>
@@ -148,6 +150,7 @@
             <p14:sldId id="382"/>
             <p14:sldId id="361"/>
             <p14:sldId id="383"/>
+            <p14:sldId id="388"/>
             <p14:sldId id="387"/>
             <p14:sldId id="362"/>
             <p14:sldId id="363"/>
@@ -163,6 +166,7 @@
             <p14:sldId id="372"/>
             <p14:sldId id="373"/>
             <p14:sldId id="374"/>
+            <p14:sldId id="389"/>
             <p14:sldId id="375"/>
             <p14:sldId id="376"/>
             <p14:sldId id="386"/>
@@ -268,7 +272,7 @@
           <a:p>
             <a:fld id="{A9DDBD42-E139-45FA-9C16-1611187CAC3F}" type="datetimeFigureOut">
               <a:rPr lang="en-US" smtClean="0"/>
-              <a:t>9/22/2014</a:t>
+              <a:t>9/23/2014</a:t>
             </a:fld>
             <a:endParaRPr lang="en-US"/>
           </a:p>
@@ -685,7 +689,7 @@
           <a:p>
             <a:fld id="{906AB01E-7BD7-442B-8A6B-D31FAFDAE830}" type="slidenum">
               <a:rPr lang="en-US" smtClean="0"/>
-              <a:t>13</a:t>
+              <a:t>14</a:t>
             </a:fld>
             <a:endParaRPr lang="en-US"/>
           </a:p>
@@ -769,7 +773,7 @@
           <a:p>
             <a:fld id="{906AB01E-7BD7-442B-8A6B-D31FAFDAE830}" type="slidenum">
               <a:rPr lang="en-US" smtClean="0"/>
-              <a:t>15</a:t>
+              <a:t>16</a:t>
             </a:fld>
             <a:endParaRPr lang="en-US"/>
           </a:p>
@@ -853,7 +857,7 @@
           <a:p>
             <a:fld id="{906AB01E-7BD7-442B-8A6B-D31FAFDAE830}" type="slidenum">
               <a:rPr lang="en-US" smtClean="0"/>
-              <a:t>16</a:t>
+              <a:t>17</a:t>
             </a:fld>
             <a:endParaRPr lang="en-US"/>
           </a:p>
@@ -937,7 +941,7 @@
           <a:p>
             <a:fld id="{906AB01E-7BD7-442B-8A6B-D31FAFDAE830}" type="slidenum">
               <a:rPr lang="en-US" smtClean="0"/>
-              <a:t>17</a:t>
+              <a:t>18</a:t>
             </a:fld>
             <a:endParaRPr lang="en-US"/>
           </a:p>
@@ -1021,7 +1025,7 @@
           <a:p>
             <a:fld id="{906AB01E-7BD7-442B-8A6B-D31FAFDAE830}" type="slidenum">
               <a:rPr lang="en-US" smtClean="0"/>
-              <a:t>18</a:t>
+              <a:t>19</a:t>
             </a:fld>
             <a:endParaRPr lang="en-US"/>
           </a:p>
@@ -1105,7 +1109,7 @@
           <a:p>
             <a:fld id="{906AB01E-7BD7-442B-8A6B-D31FAFDAE830}" type="slidenum">
               <a:rPr lang="en-US" smtClean="0"/>
-              <a:t>20</a:t>
+              <a:t>21</a:t>
             </a:fld>
             <a:endParaRPr lang="en-US"/>
           </a:p>
@@ -1189,7 +1193,7 @@
           <a:p>
             <a:fld id="{906AB01E-7BD7-442B-8A6B-D31FAFDAE830}" type="slidenum">
               <a:rPr lang="en-US" smtClean="0"/>
-              <a:t>21</a:t>
+              <a:t>22</a:t>
             </a:fld>
             <a:endParaRPr lang="en-US"/>
           </a:p>
@@ -1273,7 +1277,7 @@
           <a:p>
             <a:fld id="{906AB01E-7BD7-442B-8A6B-D31FAFDAE830}" type="slidenum">
               <a:rPr lang="en-US" smtClean="0"/>
-              <a:t>22</a:t>
+              <a:t>23</a:t>
             </a:fld>
             <a:endParaRPr lang="en-US"/>
           </a:p>
@@ -1357,7 +1361,7 @@
           <a:p>
             <a:fld id="{906AB01E-7BD7-442B-8A6B-D31FAFDAE830}" type="slidenum">
               <a:rPr lang="en-US" smtClean="0"/>
-              <a:t>23</a:t>
+              <a:t>24</a:t>
             </a:fld>
             <a:endParaRPr lang="en-US"/>
           </a:p>
@@ -1441,7 +1445,7 @@
           <a:p>
             <a:fld id="{906AB01E-7BD7-442B-8A6B-D31FAFDAE830}" type="slidenum">
               <a:rPr lang="en-US" smtClean="0"/>
-              <a:t>24</a:t>
+              <a:t>26</a:t>
             </a:fld>
             <a:endParaRPr lang="en-US"/>
           </a:p>
@@ -1609,7 +1613,7 @@
           <a:p>
             <a:fld id="{906AB01E-7BD7-442B-8A6B-D31FAFDAE830}" type="slidenum">
               <a:rPr lang="en-US" smtClean="0"/>
-              <a:t>25</a:t>
+              <a:t>27</a:t>
             </a:fld>
             <a:endParaRPr lang="en-US"/>
           </a:p>
@@ -1693,7 +1697,7 @@
           <a:p>
             <a:fld id="{906AB01E-7BD7-442B-8A6B-D31FAFDAE830}" type="slidenum">
               <a:rPr lang="en-US" smtClean="0"/>
-              <a:t>27</a:t>
+              <a:t>29</a:t>
             </a:fld>
             <a:endParaRPr lang="en-US"/>
           </a:p>
@@ -1777,7 +1781,7 @@
           <a:p>
             <a:fld id="{906AB01E-7BD7-442B-8A6B-D31FAFDAE830}" type="slidenum">
               <a:rPr lang="en-US" smtClean="0"/>
-              <a:t>28</a:t>
+              <a:t>30</a:t>
             </a:fld>
             <a:endParaRPr lang="en-US"/>
           </a:p>
@@ -2197,7 +2201,7 @@
           <a:p>
             <a:fld id="{906AB01E-7BD7-442B-8A6B-D31FAFDAE830}" type="slidenum">
               <a:rPr lang="en-US" smtClean="0"/>
-              <a:t>10</a:t>
+              <a:t>11</a:t>
             </a:fld>
             <a:endParaRPr lang="en-US"/>
           </a:p>
@@ -2281,7 +2285,7 @@
           <a:p>
             <a:fld id="{906AB01E-7BD7-442B-8A6B-D31FAFDAE830}" type="slidenum">
               <a:rPr lang="en-US" smtClean="0"/>
-              <a:t>11</a:t>
+              <a:t>12</a:t>
             </a:fld>
             <a:endParaRPr lang="en-US"/>
           </a:p>
@@ -2365,7 +2369,7 @@
           <a:p>
             <a:fld id="{906AB01E-7BD7-442B-8A6B-D31FAFDAE830}" type="slidenum">
               <a:rPr lang="en-US" smtClean="0"/>
-              <a:t>12</a:t>
+              <a:t>13</a:t>
             </a:fld>
             <a:endParaRPr lang="en-US"/>
           </a:p>
@@ -5081,6 +5085,63 @@
       </p:grpSpPr>
       <p:sp>
         <p:nvSpPr>
+          <p:cNvPr id="2" name="Title 1"/>
+          <p:cNvSpPr>
+            <a:spLocks noGrp="1"/>
+          </p:cNvSpPr>
+          <p:nvPr>
+            <p:ph type="title"/>
+          </p:nvPr>
+        </p:nvSpPr>
+        <p:spPr>
+          <a:xfrm>
+            <a:off x="341729" y="2978314"/>
+            <a:ext cx="11524432" cy="1063487"/>
+          </a:xfrm>
+        </p:spPr>
+        <p:txBody>
+          <a:bodyPr/>
+          <a:lstStyle/>
+          <a:p>
+            <a:r>
+              <a:rPr lang="en-US" dirty="0"/>
+              <a:t>What date does 2/5/2014 represent?</a:t>
+            </a:r>
+          </a:p>
+        </p:txBody>
+      </p:sp>
+    </p:spTree>
+    <p:extLst>
+      <p:ext uri="{BB962C8B-B14F-4D97-AF65-F5344CB8AC3E}">
+        <p14:creationId xmlns:p14="http://schemas.microsoft.com/office/powerpoint/2010/main" val="186808244"/>
+      </p:ext>
+    </p:extLst>
+  </p:cSld>
+  <p:clrMapOvr>
+    <a:masterClrMapping/>
+  </p:clrMapOvr>
+</p:sld>
+</file>
+
+<file path=ppt/slides/slide11.xml><?xml version="1.0" encoding="utf-8"?>
+<p:sld xmlns:a="http://schemas.openxmlformats.org/drawingml/2006/main" xmlns:r="http://schemas.openxmlformats.org/officeDocument/2006/relationships" xmlns:p="http://schemas.openxmlformats.org/presentationml/2006/main">
+  <p:cSld>
+    <p:spTree>
+      <p:nvGrpSpPr>
+        <p:cNvPr id="1" name=""/>
+        <p:cNvGrpSpPr/>
+        <p:nvPr/>
+      </p:nvGrpSpPr>
+      <p:grpSpPr>
+        <a:xfrm>
+          <a:off x="0" y="0"/>
+          <a:ext cx="0" cy="0"/>
+          <a:chOff x="0" y="0"/>
+          <a:chExt cx="0" cy="0"/>
+        </a:xfrm>
+      </p:grpSpPr>
+      <p:sp>
+        <p:nvSpPr>
           <p:cNvPr id="4" name="Title 3"/>
           <p:cNvSpPr>
             <a:spLocks noGrp="1"/>
@@ -5469,7 +5530,7 @@
 </p:sld>
 </file>
 
-<file path=ppt/slides/slide11.xml><?xml version="1.0" encoding="utf-8"?>
+<file path=ppt/slides/slide12.xml><?xml version="1.0" encoding="utf-8"?>
 <p:sld xmlns:a="http://schemas.openxmlformats.org/drawingml/2006/main" xmlns:r="http://schemas.openxmlformats.org/officeDocument/2006/relationships" xmlns:p="http://schemas.openxmlformats.org/presentationml/2006/main">
   <p:cSld>
     <p:spTree>
@@ -6034,7 +6095,7 @@
 </p:sld>
 </file>
 
-<file path=ppt/slides/slide12.xml><?xml version="1.0" encoding="utf-8"?>
+<file path=ppt/slides/slide13.xml><?xml version="1.0" encoding="utf-8"?>
 <p:sld xmlns:a="http://schemas.openxmlformats.org/drawingml/2006/main" xmlns:r="http://schemas.openxmlformats.org/officeDocument/2006/relationships" xmlns:p="http://schemas.openxmlformats.org/presentationml/2006/main">
   <p:cSld>
     <p:spTree>
@@ -6129,7 +6190,7 @@
 </p:sld>
 </file>
 
-<file path=ppt/slides/slide13.xml><?xml version="1.0" encoding="utf-8"?>
+<file path=ppt/slides/slide14.xml><?xml version="1.0" encoding="utf-8"?>
 <p:sld xmlns:a="http://schemas.openxmlformats.org/drawingml/2006/main" xmlns:r="http://schemas.openxmlformats.org/officeDocument/2006/relationships" xmlns:p="http://schemas.openxmlformats.org/presentationml/2006/main">
   <p:cSld>
     <p:spTree>
@@ -6330,7 +6391,7 @@
 </p:sld>
 </file>
 
-<file path=ppt/slides/slide14.xml><?xml version="1.0" encoding="utf-8"?>
+<file path=ppt/slides/slide15.xml><?xml version="1.0" encoding="utf-8"?>
 <p:sld xmlns:a="http://schemas.openxmlformats.org/drawingml/2006/main" xmlns:r="http://schemas.openxmlformats.org/officeDocument/2006/relationships" xmlns:p="http://schemas.openxmlformats.org/presentationml/2006/main">
   <p:cSld>
     <p:spTree>
@@ -6383,7 +6444,7 @@
 </p:sld>
 </file>
 
-<file path=ppt/slides/slide15.xml><?xml version="1.0" encoding="utf-8"?>
+<file path=ppt/slides/slide16.xml><?xml version="1.0" encoding="utf-8"?>
 <p:sld xmlns:a="http://schemas.openxmlformats.org/drawingml/2006/main" xmlns:r="http://schemas.openxmlformats.org/officeDocument/2006/relationships" xmlns:p="http://schemas.openxmlformats.org/presentationml/2006/main">
   <p:cSld>
     <p:spTree>
@@ -6443,15 +6504,7 @@
             </a:pPr>
             <a:r>
               <a:rPr lang="en-CA" dirty="0" smtClean="0"/>
-              <a:t>“Please attend our event Sunday, July </a:t>
-            </a:r>
-            <a:r>
-              <a:rPr lang="en-CA" dirty="0" smtClean="0"/>
-              <a:t>20 </a:t>
-            </a:r>
-            <a:r>
-              <a:rPr lang="en-CA" dirty="0" smtClean="0"/>
-              <a:t>in the year 1997”</a:t>
+              <a:t>“Please attend our event Sunday, July 20 in the year 1997”</a:t>
             </a:r>
             <a:endParaRPr lang="en-US" dirty="0"/>
           </a:p>
@@ -7049,7 +7102,7 @@
 </p:sld>
 </file>
 
-<file path=ppt/slides/slide16.xml><?xml version="1.0" encoding="utf-8"?>
+<file path=ppt/slides/slide17.xml><?xml version="1.0" encoding="utf-8"?>
 <p:sld xmlns:a="http://schemas.openxmlformats.org/drawingml/2006/main" xmlns:r="http://schemas.openxmlformats.org/officeDocument/2006/relationships" xmlns:p="http://schemas.openxmlformats.org/presentationml/2006/main">
   <p:cSld>
     <p:spTree>
@@ -7445,7 +7498,7 @@
 </p:sld>
 </file>
 
-<file path=ppt/slides/slide17.xml><?xml version="1.0" encoding="utf-8"?>
+<file path=ppt/slides/slide18.xml><?xml version="1.0" encoding="utf-8"?>
 <p:sld xmlns:a="http://schemas.openxmlformats.org/drawingml/2006/main" xmlns:r="http://schemas.openxmlformats.org/officeDocument/2006/relationships" xmlns:p="http://schemas.openxmlformats.org/presentationml/2006/main">
   <p:cSld>
     <p:spTree>
@@ -8077,7 +8130,7 @@
 </p:sld>
 </file>
 
-<file path=ppt/slides/slide18.xml><?xml version="1.0" encoding="utf-8"?>
+<file path=ppt/slides/slide19.xml><?xml version="1.0" encoding="utf-8"?>
 <p:sld xmlns:a="http://schemas.openxmlformats.org/drawingml/2006/main" xmlns:r="http://schemas.openxmlformats.org/officeDocument/2006/relationships" xmlns:p="http://schemas.openxmlformats.org/presentationml/2006/main">
   <p:cSld>
     <p:spTree>
@@ -8933,59 +8986,6 @@
       <p:bldP spid="3" grpId="0" animBg="1"/>
     </p:bldLst>
   </p:timing>
-</p:sld>
-</file>
-
-<file path=ppt/slides/slide19.xml><?xml version="1.0" encoding="utf-8"?>
-<p:sld xmlns:a="http://schemas.openxmlformats.org/drawingml/2006/main" xmlns:r="http://schemas.openxmlformats.org/officeDocument/2006/relationships" xmlns:p="http://schemas.openxmlformats.org/presentationml/2006/main">
-  <p:cSld>
-    <p:spTree>
-      <p:nvGrpSpPr>
-        <p:cNvPr id="1" name=""/>
-        <p:cNvGrpSpPr/>
-        <p:nvPr/>
-      </p:nvGrpSpPr>
-      <p:grpSpPr>
-        <a:xfrm>
-          <a:off x="0" y="0"/>
-          <a:ext cx="0" cy="0"/>
-          <a:chOff x="0" y="0"/>
-          <a:chExt cx="0" cy="0"/>
-        </a:xfrm>
-      </p:grpSpPr>
-      <p:sp>
-        <p:nvSpPr>
-          <p:cNvPr id="4" name="Title 3"/>
-          <p:cNvSpPr>
-            <a:spLocks noGrp="1"/>
-          </p:cNvSpPr>
-          <p:nvPr>
-            <p:ph type="title"/>
-          </p:nvPr>
-        </p:nvSpPr>
-        <p:spPr/>
-        <p:txBody>
-          <a:bodyPr/>
-          <a:lstStyle/>
-          <a:p>
-            <a:r>
-              <a:rPr lang="en-CA" dirty="0" smtClean="0"/>
-              <a:t>Asking a user for a date value</a:t>
-            </a:r>
-            <a:endParaRPr lang="en-US" dirty="0"/>
-          </a:p>
-        </p:txBody>
-      </p:sp>
-    </p:spTree>
-    <p:extLst>
-      <p:ext uri="{BB962C8B-B14F-4D97-AF65-F5344CB8AC3E}">
-        <p14:creationId xmlns:p14="http://schemas.microsoft.com/office/powerpoint/2010/main" val="2500405510"/>
-      </p:ext>
-    </p:extLst>
-  </p:cSld>
-  <p:clrMapOvr>
-    <a:masterClrMapping/>
-  </p:clrMapOvr>
 </p:sld>
 </file>
 
@@ -9259,6 +9259,59 @@
 </file>
 
 <file path=ppt/slides/slide20.xml><?xml version="1.0" encoding="utf-8"?>
+<p:sld xmlns:a="http://schemas.openxmlformats.org/drawingml/2006/main" xmlns:r="http://schemas.openxmlformats.org/officeDocument/2006/relationships" xmlns:p="http://schemas.openxmlformats.org/presentationml/2006/main">
+  <p:cSld>
+    <p:spTree>
+      <p:nvGrpSpPr>
+        <p:cNvPr id="1" name=""/>
+        <p:cNvGrpSpPr/>
+        <p:nvPr/>
+      </p:nvGrpSpPr>
+      <p:grpSpPr>
+        <a:xfrm>
+          <a:off x="0" y="0"/>
+          <a:ext cx="0" cy="0"/>
+          <a:chOff x="0" y="0"/>
+          <a:chExt cx="0" cy="0"/>
+        </a:xfrm>
+      </p:grpSpPr>
+      <p:sp>
+        <p:nvSpPr>
+          <p:cNvPr id="4" name="Title 3"/>
+          <p:cNvSpPr>
+            <a:spLocks noGrp="1"/>
+          </p:cNvSpPr>
+          <p:nvPr>
+            <p:ph type="title"/>
+          </p:nvPr>
+        </p:nvSpPr>
+        <p:spPr/>
+        <p:txBody>
+          <a:bodyPr/>
+          <a:lstStyle/>
+          <a:p>
+            <a:r>
+              <a:rPr lang="en-CA" dirty="0" smtClean="0"/>
+              <a:t>Asking a user for a date value</a:t>
+            </a:r>
+            <a:endParaRPr lang="en-US" dirty="0"/>
+          </a:p>
+        </p:txBody>
+      </p:sp>
+    </p:spTree>
+    <p:extLst>
+      <p:ext uri="{BB962C8B-B14F-4D97-AF65-F5344CB8AC3E}">
+        <p14:creationId xmlns:p14="http://schemas.microsoft.com/office/powerpoint/2010/main" val="2500405510"/>
+      </p:ext>
+    </p:extLst>
+  </p:cSld>
+  <p:clrMapOvr>
+    <a:masterClrMapping/>
+  </p:clrMapOvr>
+</p:sld>
+</file>
+
+<file path=ppt/slides/slide21.xml><?xml version="1.0" encoding="utf-8"?>
 <p:sld xmlns:a="http://schemas.openxmlformats.org/drawingml/2006/main" xmlns:r="http://schemas.openxmlformats.org/officeDocument/2006/relationships" xmlns:p="http://schemas.openxmlformats.org/presentationml/2006/main">
   <p:cSld>
     <p:spTree>
@@ -9747,7 +9800,7 @@
 </p:sld>
 </file>
 
-<file path=ppt/slides/slide21.xml><?xml version="1.0" encoding="utf-8"?>
+<file path=ppt/slides/slide22.xml><?xml version="1.0" encoding="utf-8"?>
 <p:sld xmlns:a="http://schemas.openxmlformats.org/drawingml/2006/main" xmlns:r="http://schemas.openxmlformats.org/officeDocument/2006/relationships" xmlns:p="http://schemas.openxmlformats.org/presentationml/2006/main">
   <p:cSld>
     <p:spTree>
@@ -10457,7 +10510,7 @@
 </p:sld>
 </file>
 
-<file path=ppt/slides/slide22.xml><?xml version="1.0" encoding="utf-8"?>
+<file path=ppt/slides/slide23.xml><?xml version="1.0" encoding="utf-8"?>
 <p:sld xmlns:a="http://schemas.openxmlformats.org/drawingml/2006/main" xmlns:r="http://schemas.openxmlformats.org/officeDocument/2006/relationships" xmlns:p="http://schemas.openxmlformats.org/presentationml/2006/main">
   <p:cSld>
     <p:spTree>
@@ -11055,7 +11108,7 @@
 </p:sld>
 </file>
 
-<file path=ppt/slides/slide23.xml><?xml version="1.0" encoding="utf-8"?>
+<file path=ppt/slides/slide24.xml><?xml version="1.0" encoding="utf-8"?>
 <p:sld xmlns:a="http://schemas.openxmlformats.org/drawingml/2006/main" xmlns:r="http://schemas.openxmlformats.org/officeDocument/2006/relationships" xmlns:p="http://schemas.openxmlformats.org/presentationml/2006/main">
   <p:cSld>
     <p:spTree>
@@ -11250,7 +11303,83 @@
 </p:sld>
 </file>
 
-<file path=ppt/slides/slide24.xml><?xml version="1.0" encoding="utf-8"?>
+<file path=ppt/slides/slide25.xml><?xml version="1.0" encoding="utf-8"?>
+<p:sld xmlns:a="http://schemas.openxmlformats.org/drawingml/2006/main" xmlns:r="http://schemas.openxmlformats.org/officeDocument/2006/relationships" xmlns:p="http://schemas.openxmlformats.org/presentationml/2006/main">
+  <p:cSld>
+    <p:spTree>
+      <p:nvGrpSpPr>
+        <p:cNvPr id="1" name=""/>
+        <p:cNvGrpSpPr/>
+        <p:nvPr/>
+      </p:nvGrpSpPr>
+      <p:grpSpPr>
+        <a:xfrm>
+          <a:off x="0" y="0"/>
+          <a:ext cx="0" cy="0"/>
+          <a:chOff x="0" y="0"/>
+          <a:chExt cx="0" cy="0"/>
+        </a:xfrm>
+      </p:grpSpPr>
+      <p:sp>
+        <p:nvSpPr>
+          <p:cNvPr id="5" name="Text Placeholder 4"/>
+          <p:cNvSpPr>
+            <a:spLocks noGrp="1"/>
+          </p:cNvSpPr>
+          <p:nvPr>
+            <p:ph type="body" sz="quarter" idx="10"/>
+          </p:nvPr>
+        </p:nvSpPr>
+        <p:spPr/>
+        <p:txBody>
+          <a:bodyPr/>
+          <a:lstStyle/>
+          <a:p>
+            <a:r>
+              <a:rPr lang="en-US" dirty="0" smtClean="0"/>
+              <a:t>Working </a:t>
+            </a:r>
+            <a:r>
+              <a:rPr lang="en-US" smtClean="0"/>
+              <a:t>with time</a:t>
+            </a:r>
+            <a:endParaRPr lang="en-US"/>
+          </a:p>
+        </p:txBody>
+      </p:sp>
+      <p:sp>
+        <p:nvSpPr>
+          <p:cNvPr id="4" name="Subtitle 3"/>
+          <p:cNvSpPr>
+            <a:spLocks noGrp="1"/>
+          </p:cNvSpPr>
+          <p:nvPr>
+            <p:ph type="subTitle" idx="1"/>
+          </p:nvPr>
+        </p:nvSpPr>
+        <p:spPr/>
+        <p:txBody>
+          <a:bodyPr/>
+          <a:lstStyle/>
+          <a:p>
+            <a:endParaRPr lang="en-US"/>
+          </a:p>
+        </p:txBody>
+      </p:sp>
+    </p:spTree>
+    <p:extLst>
+      <p:ext uri="{BB962C8B-B14F-4D97-AF65-F5344CB8AC3E}">
+        <p14:creationId xmlns:p14="http://schemas.microsoft.com/office/powerpoint/2010/main" val="38639104"/>
+      </p:ext>
+    </p:extLst>
+  </p:cSld>
+  <p:clrMapOvr>
+    <a:masterClrMapping/>
+  </p:clrMapOvr>
+</p:sld>
+</file>
+
+<file path=ppt/slides/slide26.xml><?xml version="1.0" encoding="utf-8"?>
 <p:sld xmlns:a="http://schemas.openxmlformats.org/drawingml/2006/main" xmlns:r="http://schemas.openxmlformats.org/officeDocument/2006/relationships" xmlns:p="http://schemas.openxmlformats.org/presentationml/2006/main">
   <p:cSld>
     <p:spTree>
@@ -11993,7 +12122,7 @@
 </p:sld>
 </file>
 
-<file path=ppt/slides/slide25.xml><?xml version="1.0" encoding="utf-8"?>
+<file path=ppt/slides/slide27.xml><?xml version="1.0" encoding="utf-8"?>
 <p:sld xmlns:a="http://schemas.openxmlformats.org/drawingml/2006/main" xmlns:r="http://schemas.openxmlformats.org/officeDocument/2006/relationships" xmlns:p="http://schemas.openxmlformats.org/presentationml/2006/main">
   <p:cSld>
     <p:spTree>
@@ -12503,7 +12632,7 @@
 </p:sld>
 </file>
 
-<file path=ppt/slides/slide26.xml><?xml version="1.0" encoding="utf-8"?>
+<file path=ppt/slides/slide28.xml><?xml version="1.0" encoding="utf-8"?>
 <p:sld xmlns:a="http://schemas.openxmlformats.org/drawingml/2006/main" xmlns:r="http://schemas.openxmlformats.org/officeDocument/2006/relationships" xmlns:p="http://schemas.openxmlformats.org/presentationml/2006/main">
   <p:cSld>
     <p:spTree>
@@ -12556,7 +12685,7 @@
 </p:sld>
 </file>
 
-<file path=ppt/slides/slide27.xml><?xml version="1.0" encoding="utf-8"?>
+<file path=ppt/slides/slide29.xml><?xml version="1.0" encoding="utf-8"?>
 <p:sld xmlns:a="http://schemas.openxmlformats.org/drawingml/2006/main" xmlns:r="http://schemas.openxmlformats.org/officeDocument/2006/relationships" xmlns:p="http://schemas.openxmlformats.org/presentationml/2006/main">
   <p:cSld>
     <p:spTree>
@@ -12789,7 +12918,74 @@
 </p:sld>
 </file>
 
-<file path=ppt/slides/slide28.xml><?xml version="1.0" encoding="utf-8"?>
+<file path=ppt/slides/slide3.xml><?xml version="1.0" encoding="utf-8"?>
+<p:sld xmlns:a="http://schemas.openxmlformats.org/drawingml/2006/main" xmlns:r="http://schemas.openxmlformats.org/officeDocument/2006/relationships" xmlns:p="http://schemas.openxmlformats.org/presentationml/2006/main">
+  <p:cSld>
+    <p:spTree>
+      <p:nvGrpSpPr>
+        <p:cNvPr id="1" name=""/>
+        <p:cNvGrpSpPr/>
+        <p:nvPr/>
+      </p:nvGrpSpPr>
+      <p:grpSpPr>
+        <a:xfrm>
+          <a:off x="0" y="0"/>
+          <a:ext cx="0" cy="0"/>
+          <a:chOff x="0" y="0"/>
+          <a:chExt cx="0" cy="0"/>
+        </a:xfrm>
+      </p:grpSpPr>
+      <p:sp>
+        <p:nvSpPr>
+          <p:cNvPr id="4" name="Title 3"/>
+          <p:cNvSpPr>
+            <a:spLocks noGrp="1"/>
+          </p:cNvSpPr>
+          <p:nvPr>
+            <p:ph type="title"/>
+          </p:nvPr>
+        </p:nvSpPr>
+        <p:spPr>
+          <a:xfrm>
+            <a:off x="380231" y="2633315"/>
+            <a:ext cx="11524432" cy="1063487"/>
+          </a:xfrm>
+        </p:spPr>
+        <p:txBody>
+          <a:bodyPr>
+            <a:normAutofit fontScale="90000"/>
+          </a:bodyPr>
+          <a:lstStyle/>
+          <a:p>
+            <a:r>
+              <a:rPr lang="en-CA" dirty="0" smtClean="0"/>
+              <a:t>To solve these problems with computers we need to store and manipulate dates and times</a:t>
+            </a:r>
+            <a:endParaRPr lang="en-US" dirty="0"/>
+          </a:p>
+        </p:txBody>
+      </p:sp>
+    </p:spTree>
+    <p:extLst>
+      <p:ext uri="{BB962C8B-B14F-4D97-AF65-F5344CB8AC3E}">
+        <p14:creationId xmlns:p14="http://schemas.microsoft.com/office/powerpoint/2010/main" val="1434542212"/>
+      </p:ext>
+    </p:extLst>
+  </p:cSld>
+  <p:clrMapOvr>
+    <a:masterClrMapping/>
+  </p:clrMapOvr>
+  <p:timing>
+    <p:tnLst>
+      <p:par>
+        <p:cTn id="1" dur="indefinite" restart="never" nodeType="tmRoot"/>
+      </p:par>
+    </p:tnLst>
+  </p:timing>
+</p:sld>
+</file>
+
+<file path=ppt/slides/slide30.xml><?xml version="1.0" encoding="utf-8"?>
 <p:sld xmlns:a="http://schemas.openxmlformats.org/drawingml/2006/main" xmlns:r="http://schemas.openxmlformats.org/officeDocument/2006/relationships" xmlns:p="http://schemas.openxmlformats.org/presentationml/2006/main">
   <p:cSld>
     <p:spTree>
@@ -13034,7 +13230,7 @@
 </p:sld>
 </file>
 
-<file path=ppt/slides/slide29.xml><?xml version="1.0" encoding="utf-8"?>
+<file path=ppt/slides/slide31.xml><?xml version="1.0" encoding="utf-8"?>
 <p:sld xmlns:a="http://schemas.openxmlformats.org/drawingml/2006/main" xmlns:r="http://schemas.openxmlformats.org/officeDocument/2006/relationships" xmlns:p="http://schemas.openxmlformats.org/presentationml/2006/main">
   <p:cSld>
     <p:spTree>
@@ -13069,73 +13265,6 @@
       <p:transition spd="slow"/>
     </mc:Fallback>
   </mc:AlternateContent>
-  <p:timing>
-    <p:tnLst>
-      <p:par>
-        <p:cTn id="1" dur="indefinite" restart="never" nodeType="tmRoot"/>
-      </p:par>
-    </p:tnLst>
-  </p:timing>
-</p:sld>
-</file>
-
-<file path=ppt/slides/slide3.xml><?xml version="1.0" encoding="utf-8"?>
-<p:sld xmlns:a="http://schemas.openxmlformats.org/drawingml/2006/main" xmlns:r="http://schemas.openxmlformats.org/officeDocument/2006/relationships" xmlns:p="http://schemas.openxmlformats.org/presentationml/2006/main">
-  <p:cSld>
-    <p:spTree>
-      <p:nvGrpSpPr>
-        <p:cNvPr id="1" name=""/>
-        <p:cNvGrpSpPr/>
-        <p:nvPr/>
-      </p:nvGrpSpPr>
-      <p:grpSpPr>
-        <a:xfrm>
-          <a:off x="0" y="0"/>
-          <a:ext cx="0" cy="0"/>
-          <a:chOff x="0" y="0"/>
-          <a:chExt cx="0" cy="0"/>
-        </a:xfrm>
-      </p:grpSpPr>
-      <p:sp>
-        <p:nvSpPr>
-          <p:cNvPr id="4" name="Title 3"/>
-          <p:cNvSpPr>
-            <a:spLocks noGrp="1"/>
-          </p:cNvSpPr>
-          <p:nvPr>
-            <p:ph type="title"/>
-          </p:nvPr>
-        </p:nvSpPr>
-        <p:spPr>
-          <a:xfrm>
-            <a:off x="380231" y="2633315"/>
-            <a:ext cx="11524432" cy="1063487"/>
-          </a:xfrm>
-        </p:spPr>
-        <p:txBody>
-          <a:bodyPr>
-            <a:normAutofit fontScale="90000"/>
-          </a:bodyPr>
-          <a:lstStyle/>
-          <a:p>
-            <a:r>
-              <a:rPr lang="en-CA" dirty="0" smtClean="0"/>
-              <a:t>To solve these problems with computers we need to store and manipulate dates and times</a:t>
-            </a:r>
-            <a:endParaRPr lang="en-US" dirty="0"/>
-          </a:p>
-        </p:txBody>
-      </p:sp>
-    </p:spTree>
-    <p:extLst>
-      <p:ext uri="{BB962C8B-B14F-4D97-AF65-F5344CB8AC3E}">
-        <p14:creationId xmlns:p14="http://schemas.microsoft.com/office/powerpoint/2010/main" val="1434542212"/>
-      </p:ext>
-    </p:extLst>
-  </p:cSld>
-  <p:clrMapOvr>
-    <a:masterClrMapping/>
-  </p:clrMapOvr>
   <p:timing>
     <p:tnLst>
       <p:par>
@@ -13818,28 +13947,6 @@
           </a:p>
         </p:txBody>
       </p:sp>
-      <p:sp>
-        <p:nvSpPr>
-          <p:cNvPr id="5" name="Content Placeholder 4"/>
-          <p:cNvSpPr>
-            <a:spLocks noGrp="1"/>
-          </p:cNvSpPr>
-          <p:nvPr>
-            <p:ph sz="quarter" idx="10"/>
-          </p:nvPr>
-        </p:nvSpPr>
-        <p:spPr/>
-        <p:txBody>
-          <a:bodyPr/>
-          <a:lstStyle/>
-          <a:p>
-            <a:pPr marL="0" indent="0">
-              <a:buNone/>
-            </a:pPr>
-            <a:endParaRPr lang="en-US" dirty="0"/>
-          </a:p>
-        </p:txBody>
-      </p:sp>
       <p:pic>
         <p:nvPicPr>
           <p:cNvPr id="8" name="Picture 7"/>
@@ -15044,35 +15151,50 @@
       </p:grpSpPr>
       <p:sp>
         <p:nvSpPr>
-          <p:cNvPr id="2" name="Title 1"/>
+          <p:cNvPr id="4" name="Text Placeholder 3"/>
           <p:cNvSpPr>
             <a:spLocks noGrp="1"/>
           </p:cNvSpPr>
           <p:nvPr>
-            <p:ph type="title"/>
+            <p:ph type="body" sz="quarter" idx="10"/>
           </p:nvPr>
         </p:nvSpPr>
-        <p:spPr>
-          <a:xfrm>
-            <a:off x="341729" y="2978314"/>
-            <a:ext cx="11524432" cy="1063487"/>
-          </a:xfrm>
-        </p:spPr>
+        <p:spPr/>
         <p:txBody>
           <a:bodyPr/>
           <a:lstStyle/>
           <a:p>
             <a:r>
-              <a:rPr lang="en-US" dirty="0"/>
-              <a:t>What date does 2/5/2014 represent?</a:t>
-            </a:r>
+              <a:rPr lang="en-US" dirty="0" smtClean="0"/>
+              <a:t>Date formats</a:t>
+            </a:r>
+            <a:endParaRPr lang="en-US" dirty="0"/>
+          </a:p>
+        </p:txBody>
+      </p:sp>
+      <p:sp>
+        <p:nvSpPr>
+          <p:cNvPr id="3" name="Subtitle 2"/>
+          <p:cNvSpPr>
+            <a:spLocks noGrp="1"/>
+          </p:cNvSpPr>
+          <p:nvPr>
+            <p:ph type="subTitle" idx="1"/>
+          </p:nvPr>
+        </p:nvSpPr>
+        <p:spPr/>
+        <p:txBody>
+          <a:bodyPr/>
+          <a:lstStyle/>
+          <a:p>
+            <a:endParaRPr lang="en-US"/>
           </a:p>
         </p:txBody>
       </p:sp>
     </p:spTree>
     <p:extLst>
       <p:ext uri="{BB962C8B-B14F-4D97-AF65-F5344CB8AC3E}">
-        <p14:creationId xmlns:p14="http://schemas.microsoft.com/office/powerpoint/2010/main" val="186808244"/>
+        <p14:creationId xmlns:p14="http://schemas.microsoft.com/office/powerpoint/2010/main" val="116626678"/>
       </p:ext>
     </p:extLst>
   </p:cSld>
